--- a/Presentation1.pptx
+++ b/Presentation1.pptx
@@ -2,18 +2,18 @@
 <file path=ppt/presentation.xml><?xml version="1.0" encoding="utf-8"?>
 <p:presentation xmlns:a="http://schemas.openxmlformats.org/drawingml/2006/main" xmlns:r="http://schemas.openxmlformats.org/officeDocument/2006/relationships" xmlns:p="http://schemas.openxmlformats.org/presentationml/2006/main" saveSubsetFonts="1">
   <p:sldMasterIdLst>
-    <p:sldMasterId id="2147483648" r:id="rId1"/>
+    <p:sldMasterId id="2147483672" r:id="rId1"/>
   </p:sldMasterIdLst>
   <p:sldIdLst>
     <p:sldId id="256" r:id="rId2"/>
   </p:sldIdLst>
-  <p:sldSz cx="12192000" cy="6858000"/>
+  <p:sldSz cx="51206400" cy="32918400"/>
   <p:notesSz cx="6858000" cy="9144000"/>
   <p:defaultTextStyle>
     <a:defPPr>
       <a:defRPr lang="en-US"/>
     </a:defPPr>
-    <a:lvl1pPr marL="0" algn="l" defTabSz="914400" rtl="0" eaLnBrk="1" latinLnBrk="0" hangingPunct="1">
+    <a:lvl1pPr marL="0" algn="l" defTabSz="457200" rtl="0" eaLnBrk="1" latinLnBrk="0" hangingPunct="1">
       <a:defRPr sz="1800" kern="1200">
         <a:solidFill>
           <a:schemeClr val="tx1"/>
@@ -23,7 +23,7 @@
         <a:cs typeface="+mn-cs"/>
       </a:defRPr>
     </a:lvl1pPr>
-    <a:lvl2pPr marL="457200" algn="l" defTabSz="914400" rtl="0" eaLnBrk="1" latinLnBrk="0" hangingPunct="1">
+    <a:lvl2pPr marL="457200" algn="l" defTabSz="457200" rtl="0" eaLnBrk="1" latinLnBrk="0" hangingPunct="1">
       <a:defRPr sz="1800" kern="1200">
         <a:solidFill>
           <a:schemeClr val="tx1"/>
@@ -33,7 +33,7 @@
         <a:cs typeface="+mn-cs"/>
       </a:defRPr>
     </a:lvl2pPr>
-    <a:lvl3pPr marL="914400" algn="l" defTabSz="914400" rtl="0" eaLnBrk="1" latinLnBrk="0" hangingPunct="1">
+    <a:lvl3pPr marL="914400" algn="l" defTabSz="457200" rtl="0" eaLnBrk="1" latinLnBrk="0" hangingPunct="1">
       <a:defRPr sz="1800" kern="1200">
         <a:solidFill>
           <a:schemeClr val="tx1"/>
@@ -43,7 +43,7 @@
         <a:cs typeface="+mn-cs"/>
       </a:defRPr>
     </a:lvl3pPr>
-    <a:lvl4pPr marL="1371600" algn="l" defTabSz="914400" rtl="0" eaLnBrk="1" latinLnBrk="0" hangingPunct="1">
+    <a:lvl4pPr marL="1371600" algn="l" defTabSz="457200" rtl="0" eaLnBrk="1" latinLnBrk="0" hangingPunct="1">
       <a:defRPr sz="1800" kern="1200">
         <a:solidFill>
           <a:schemeClr val="tx1"/>
@@ -53,7 +53,7 @@
         <a:cs typeface="+mn-cs"/>
       </a:defRPr>
     </a:lvl4pPr>
-    <a:lvl5pPr marL="1828800" algn="l" defTabSz="914400" rtl="0" eaLnBrk="1" latinLnBrk="0" hangingPunct="1">
+    <a:lvl5pPr marL="1828800" algn="l" defTabSz="457200" rtl="0" eaLnBrk="1" latinLnBrk="0" hangingPunct="1">
       <a:defRPr sz="1800" kern="1200">
         <a:solidFill>
           <a:schemeClr val="tx1"/>
@@ -63,7 +63,7 @@
         <a:cs typeface="+mn-cs"/>
       </a:defRPr>
     </a:lvl5pPr>
-    <a:lvl6pPr marL="2286000" algn="l" defTabSz="914400" rtl="0" eaLnBrk="1" latinLnBrk="0" hangingPunct="1">
+    <a:lvl6pPr marL="2286000" algn="l" defTabSz="457200" rtl="0" eaLnBrk="1" latinLnBrk="0" hangingPunct="1">
       <a:defRPr sz="1800" kern="1200">
         <a:solidFill>
           <a:schemeClr val="tx1"/>
@@ -73,7 +73,7 @@
         <a:cs typeface="+mn-cs"/>
       </a:defRPr>
     </a:lvl6pPr>
-    <a:lvl7pPr marL="2743200" algn="l" defTabSz="914400" rtl="0" eaLnBrk="1" latinLnBrk="0" hangingPunct="1">
+    <a:lvl7pPr marL="2743200" algn="l" defTabSz="457200" rtl="0" eaLnBrk="1" latinLnBrk="0" hangingPunct="1">
       <a:defRPr sz="1800" kern="1200">
         <a:solidFill>
           <a:schemeClr val="tx1"/>
@@ -83,7 +83,7 @@
         <a:cs typeface="+mn-cs"/>
       </a:defRPr>
     </a:lvl7pPr>
-    <a:lvl8pPr marL="3200400" algn="l" defTabSz="914400" rtl="0" eaLnBrk="1" latinLnBrk="0" hangingPunct="1">
+    <a:lvl8pPr marL="3200400" algn="l" defTabSz="457200" rtl="0" eaLnBrk="1" latinLnBrk="0" hangingPunct="1">
       <a:defRPr sz="1800" kern="1200">
         <a:solidFill>
           <a:schemeClr val="tx1"/>
@@ -93,7 +93,7 @@
         <a:cs typeface="+mn-cs"/>
       </a:defRPr>
     </a:lvl8pPr>
-    <a:lvl9pPr marL="3657600" algn="l" defTabSz="914400" rtl="0" eaLnBrk="1" latinLnBrk="0" hangingPunct="1">
+    <a:lvl9pPr marL="3657600" algn="l" defTabSz="457200" rtl="0" eaLnBrk="1" latinLnBrk="0" hangingPunct="1">
       <a:defRPr sz="1800" kern="1200">
         <a:solidFill>
           <a:schemeClr val="tx1"/>
@@ -104,6 +104,11 @@
       </a:defRPr>
     </a:lvl9pPr>
   </p:defaultTextStyle>
+  <p:extLst>
+    <p:ext uri="{EFAFB233-063F-42B5-8137-9DF3F51BA10A}">
+      <p15:sldGuideLst xmlns:p15="http://schemas.microsoft.com/office/powerpoint/2012/main"/>
+    </p:ext>
+  </p:extLst>
 </p:presentation>
 </file>
 
@@ -136,15 +141,15 @@
         </p:nvSpPr>
         <p:spPr>
           <a:xfrm>
-            <a:off x="1524000" y="1122363"/>
-            <a:ext cx="9144000" cy="2387600"/>
+            <a:off x="6400800" y="5387342"/>
+            <a:ext cx="38404800" cy="11460480"/>
           </a:xfrm>
         </p:spPr>
         <p:txBody>
           <a:bodyPr anchor="b"/>
           <a:lstStyle>
             <a:lvl1pPr algn="ctr">
-              <a:defRPr sz="6000"/>
+              <a:defRPr sz="25200"/>
             </a:lvl1pPr>
           </a:lstStyle>
           <a:p>
@@ -152,7 +157,7 @@
               <a:rPr lang="en-US"/>
               <a:t>Click to edit Master title style</a:t>
             </a:r>
-            <a:endParaRPr lang="en-US"/>
+            <a:endParaRPr lang="en-US" dirty="0"/>
           </a:p>
         </p:txBody>
       </p:sp>
@@ -168,8 +173,8 @@
         </p:nvSpPr>
         <p:spPr>
           <a:xfrm>
-            <a:off x="1524000" y="3602038"/>
-            <a:ext cx="9144000" cy="1655762"/>
+            <a:off x="6400800" y="17289782"/>
+            <a:ext cx="38404800" cy="7947658"/>
           </a:xfrm>
         </p:spPr>
         <p:txBody>
@@ -177,39 +182,39 @@
           <a:lstStyle>
             <a:lvl1pPr marL="0" indent="0" algn="ctr">
               <a:buNone/>
-              <a:defRPr sz="2400"/>
+              <a:defRPr sz="10080"/>
             </a:lvl1pPr>
-            <a:lvl2pPr marL="457200" indent="0" algn="ctr">
-              <a:buNone/>
-              <a:defRPr sz="2000"/>
+            <a:lvl2pPr marL="1920240" indent="0" algn="ctr">
+              <a:buNone/>
+              <a:defRPr sz="8400"/>
             </a:lvl2pPr>
-            <a:lvl3pPr marL="914400" indent="0" algn="ctr">
-              <a:buNone/>
-              <a:defRPr sz="1800"/>
+            <a:lvl3pPr marL="3840480" indent="0" algn="ctr">
+              <a:buNone/>
+              <a:defRPr sz="7560"/>
             </a:lvl3pPr>
-            <a:lvl4pPr marL="1371600" indent="0" algn="ctr">
-              <a:buNone/>
-              <a:defRPr sz="1600"/>
+            <a:lvl4pPr marL="5760720" indent="0" algn="ctr">
+              <a:buNone/>
+              <a:defRPr sz="6720"/>
             </a:lvl4pPr>
-            <a:lvl5pPr marL="1828800" indent="0" algn="ctr">
-              <a:buNone/>
-              <a:defRPr sz="1600"/>
+            <a:lvl5pPr marL="7680960" indent="0" algn="ctr">
+              <a:buNone/>
+              <a:defRPr sz="6720"/>
             </a:lvl5pPr>
-            <a:lvl6pPr marL="2286000" indent="0" algn="ctr">
-              <a:buNone/>
-              <a:defRPr sz="1600"/>
+            <a:lvl6pPr marL="9601200" indent="0" algn="ctr">
+              <a:buNone/>
+              <a:defRPr sz="6720"/>
             </a:lvl6pPr>
-            <a:lvl7pPr marL="2743200" indent="0" algn="ctr">
-              <a:buNone/>
-              <a:defRPr sz="1600"/>
+            <a:lvl7pPr marL="11521440" indent="0" algn="ctr">
+              <a:buNone/>
+              <a:defRPr sz="6720"/>
             </a:lvl7pPr>
-            <a:lvl8pPr marL="3200400" indent="0" algn="ctr">
-              <a:buNone/>
-              <a:defRPr sz="1600"/>
+            <a:lvl8pPr marL="13441680" indent="0" algn="ctr">
+              <a:buNone/>
+              <a:defRPr sz="6720"/>
             </a:lvl8pPr>
-            <a:lvl9pPr marL="3657600" indent="0" algn="ctr">
-              <a:buNone/>
-              <a:defRPr sz="1600"/>
+            <a:lvl9pPr marL="15361920" indent="0" algn="ctr">
+              <a:buNone/>
+              <a:defRPr sz="6720"/>
             </a:lvl9pPr>
           </a:lstStyle>
           <a:p>
@@ -217,7 +222,7 @@
               <a:rPr lang="en-US"/>
               <a:t>Click to edit Master subtitle style</a:t>
             </a:r>
-            <a:endParaRPr lang="en-US"/>
+            <a:endParaRPr lang="en-US" dirty="0"/>
           </a:p>
         </p:txBody>
       </p:sp>
@@ -238,7 +243,7 @@
           <a:p>
             <a:fld id="{6BEFD154-C085-4329-83E8-414F00BD1DA0}" type="datetimeFigureOut">
               <a:rPr lang="en-US" smtClean="0"/>
-              <a:t>11/2/2016</a:t>
+              <a:t>11/7/2016</a:t>
             </a:fld>
             <a:endParaRPr lang="en-US"/>
           </a:p>
@@ -289,7 +294,7 @@
     </p:spTree>
     <p:extLst>
       <p:ext uri="{BB962C8B-B14F-4D97-AF65-F5344CB8AC3E}">
-        <p14:creationId xmlns:p14="http://schemas.microsoft.com/office/powerpoint/2010/main" val="3895725391"/>
+        <p14:creationId xmlns:p14="http://schemas.microsoft.com/office/powerpoint/2010/main" val="3290989839"/>
       </p:ext>
     </p:extLst>
   </p:cSld>
@@ -335,7 +340,7 @@
               <a:rPr lang="en-US"/>
               <a:t>Click to edit Master title style</a:t>
             </a:r>
-            <a:endParaRPr lang="en-US"/>
+            <a:endParaRPr lang="en-US" dirty="0"/>
           </a:p>
         </p:txBody>
       </p:sp>
@@ -387,7 +392,7 @@
               <a:rPr lang="en-US"/>
               <a:t>Fifth level</a:t>
             </a:r>
-            <a:endParaRPr lang="en-US"/>
+            <a:endParaRPr lang="en-US" dirty="0"/>
           </a:p>
         </p:txBody>
       </p:sp>
@@ -408,7 +413,7 @@
           <a:p>
             <a:fld id="{6BEFD154-C085-4329-83E8-414F00BD1DA0}" type="datetimeFigureOut">
               <a:rPr lang="en-US" smtClean="0"/>
-              <a:t>11/2/2016</a:t>
+              <a:t>11/7/2016</a:t>
             </a:fld>
             <a:endParaRPr lang="en-US"/>
           </a:p>
@@ -459,7 +464,7 @@
     </p:spTree>
     <p:extLst>
       <p:ext uri="{BB962C8B-B14F-4D97-AF65-F5344CB8AC3E}">
-        <p14:creationId xmlns:p14="http://schemas.microsoft.com/office/powerpoint/2010/main" val="1104524142"/>
+        <p14:creationId xmlns:p14="http://schemas.microsoft.com/office/powerpoint/2010/main" val="1325908029"/>
       </p:ext>
     </p:extLst>
   </p:cSld>
@@ -498,8 +503,8 @@
         </p:nvSpPr>
         <p:spPr>
           <a:xfrm>
-            <a:off x="8724900" y="365125"/>
-            <a:ext cx="2628900" cy="5811838"/>
+            <a:off x="36644580" y="1752600"/>
+            <a:ext cx="11041380" cy="27896822"/>
           </a:xfrm>
         </p:spPr>
         <p:txBody>
@@ -510,7 +515,7 @@
               <a:rPr lang="en-US"/>
               <a:t>Click to edit Master title style</a:t>
             </a:r>
-            <a:endParaRPr lang="en-US"/>
+            <a:endParaRPr lang="en-US" dirty="0"/>
           </a:p>
         </p:txBody>
       </p:sp>
@@ -526,8 +531,8 @@
         </p:nvSpPr>
         <p:spPr>
           <a:xfrm>
-            <a:off x="838200" y="365125"/>
-            <a:ext cx="7734300" cy="5811838"/>
+            <a:off x="3520440" y="1752600"/>
+            <a:ext cx="32484060" cy="27896822"/>
           </a:xfrm>
         </p:spPr>
         <p:txBody>
@@ -567,7 +572,7 @@
               <a:rPr lang="en-US"/>
               <a:t>Fifth level</a:t>
             </a:r>
-            <a:endParaRPr lang="en-US"/>
+            <a:endParaRPr lang="en-US" dirty="0"/>
           </a:p>
         </p:txBody>
       </p:sp>
@@ -588,7 +593,7 @@
           <a:p>
             <a:fld id="{6BEFD154-C085-4329-83E8-414F00BD1DA0}" type="datetimeFigureOut">
               <a:rPr lang="en-US" smtClean="0"/>
-              <a:t>11/2/2016</a:t>
+              <a:t>11/7/2016</a:t>
             </a:fld>
             <a:endParaRPr lang="en-US"/>
           </a:p>
@@ -639,7 +644,7 @@
     </p:spTree>
     <p:extLst>
       <p:ext uri="{BB962C8B-B14F-4D97-AF65-F5344CB8AC3E}">
-        <p14:creationId xmlns:p14="http://schemas.microsoft.com/office/powerpoint/2010/main" val="2292674304"/>
+        <p14:creationId xmlns:p14="http://schemas.microsoft.com/office/powerpoint/2010/main" val="1900244994"/>
       </p:ext>
     </p:extLst>
   </p:cSld>
@@ -685,7 +690,7 @@
               <a:rPr lang="en-US"/>
               <a:t>Click to edit Master title style</a:t>
             </a:r>
-            <a:endParaRPr lang="en-US"/>
+            <a:endParaRPr lang="en-US" dirty="0"/>
           </a:p>
         </p:txBody>
       </p:sp>
@@ -737,7 +742,7 @@
               <a:rPr lang="en-US"/>
               <a:t>Fifth level</a:t>
             </a:r>
-            <a:endParaRPr lang="en-US"/>
+            <a:endParaRPr lang="en-US" dirty="0"/>
           </a:p>
         </p:txBody>
       </p:sp>
@@ -758,7 +763,7 @@
           <a:p>
             <a:fld id="{6BEFD154-C085-4329-83E8-414F00BD1DA0}" type="datetimeFigureOut">
               <a:rPr lang="en-US" smtClean="0"/>
-              <a:t>11/2/2016</a:t>
+              <a:t>11/7/2016</a:t>
             </a:fld>
             <a:endParaRPr lang="en-US"/>
           </a:p>
@@ -809,7 +814,7 @@
     </p:spTree>
     <p:extLst>
       <p:ext uri="{BB962C8B-B14F-4D97-AF65-F5344CB8AC3E}">
-        <p14:creationId xmlns:p14="http://schemas.microsoft.com/office/powerpoint/2010/main" val="695258864"/>
+        <p14:creationId xmlns:p14="http://schemas.microsoft.com/office/powerpoint/2010/main" val="2542196037"/>
       </p:ext>
     </p:extLst>
   </p:cSld>
@@ -848,15 +853,15 @@
         </p:nvSpPr>
         <p:spPr>
           <a:xfrm>
-            <a:off x="831850" y="1709738"/>
-            <a:ext cx="10515600" cy="2852737"/>
+            <a:off x="3493770" y="8206745"/>
+            <a:ext cx="44165520" cy="13693138"/>
           </a:xfrm>
         </p:spPr>
         <p:txBody>
           <a:bodyPr anchor="b"/>
           <a:lstStyle>
             <a:lvl1pPr>
-              <a:defRPr sz="6000"/>
+              <a:defRPr sz="25200"/>
             </a:lvl1pPr>
           </a:lstStyle>
           <a:p>
@@ -864,7 +869,7 @@
               <a:rPr lang="en-US"/>
               <a:t>Click to edit Master title style</a:t>
             </a:r>
-            <a:endParaRPr lang="en-US"/>
+            <a:endParaRPr lang="en-US" dirty="0"/>
           </a:p>
         </p:txBody>
       </p:sp>
@@ -880,8 +885,8 @@
         </p:nvSpPr>
         <p:spPr>
           <a:xfrm>
-            <a:off x="831850" y="4589463"/>
-            <a:ext cx="10515600" cy="1500187"/>
+            <a:off x="3493770" y="22029425"/>
+            <a:ext cx="44165520" cy="7200898"/>
           </a:xfrm>
         </p:spPr>
         <p:txBody>
@@ -889,7 +894,7 @@
           <a:lstStyle>
             <a:lvl1pPr marL="0" indent="0">
               <a:buNone/>
-              <a:defRPr sz="2400">
+              <a:defRPr sz="10080">
                 <a:solidFill>
                   <a:schemeClr val="tx1">
                     <a:tint val="75000"/>
@@ -897,9 +902,9 @@
                 </a:solidFill>
               </a:defRPr>
             </a:lvl1pPr>
-            <a:lvl2pPr marL="457200" indent="0">
-              <a:buNone/>
-              <a:defRPr sz="2000">
+            <a:lvl2pPr marL="1920240" indent="0">
+              <a:buNone/>
+              <a:defRPr sz="8400">
                 <a:solidFill>
                   <a:schemeClr val="tx1">
                     <a:tint val="75000"/>
@@ -907,9 +912,9 @@
                 </a:solidFill>
               </a:defRPr>
             </a:lvl2pPr>
-            <a:lvl3pPr marL="914400" indent="0">
-              <a:buNone/>
-              <a:defRPr sz="1800">
+            <a:lvl3pPr marL="3840480" indent="0">
+              <a:buNone/>
+              <a:defRPr sz="7560">
                 <a:solidFill>
                   <a:schemeClr val="tx1">
                     <a:tint val="75000"/>
@@ -917,9 +922,9 @@
                 </a:solidFill>
               </a:defRPr>
             </a:lvl3pPr>
-            <a:lvl4pPr marL="1371600" indent="0">
-              <a:buNone/>
-              <a:defRPr sz="1600">
+            <a:lvl4pPr marL="5760720" indent="0">
+              <a:buNone/>
+              <a:defRPr sz="6720">
                 <a:solidFill>
                   <a:schemeClr val="tx1">
                     <a:tint val="75000"/>
@@ -927,9 +932,9 @@
                 </a:solidFill>
               </a:defRPr>
             </a:lvl4pPr>
-            <a:lvl5pPr marL="1828800" indent="0">
-              <a:buNone/>
-              <a:defRPr sz="1600">
+            <a:lvl5pPr marL="7680960" indent="0">
+              <a:buNone/>
+              <a:defRPr sz="6720">
                 <a:solidFill>
                   <a:schemeClr val="tx1">
                     <a:tint val="75000"/>
@@ -937,9 +942,9 @@
                 </a:solidFill>
               </a:defRPr>
             </a:lvl5pPr>
-            <a:lvl6pPr marL="2286000" indent="0">
-              <a:buNone/>
-              <a:defRPr sz="1600">
+            <a:lvl6pPr marL="9601200" indent="0">
+              <a:buNone/>
+              <a:defRPr sz="6720">
                 <a:solidFill>
                   <a:schemeClr val="tx1">
                     <a:tint val="75000"/>
@@ -947,9 +952,9 @@
                 </a:solidFill>
               </a:defRPr>
             </a:lvl6pPr>
-            <a:lvl7pPr marL="2743200" indent="0">
-              <a:buNone/>
-              <a:defRPr sz="1600">
+            <a:lvl7pPr marL="11521440" indent="0">
+              <a:buNone/>
+              <a:defRPr sz="6720">
                 <a:solidFill>
                   <a:schemeClr val="tx1">
                     <a:tint val="75000"/>
@@ -957,9 +962,9 @@
                 </a:solidFill>
               </a:defRPr>
             </a:lvl7pPr>
-            <a:lvl8pPr marL="3200400" indent="0">
-              <a:buNone/>
-              <a:defRPr sz="1600">
+            <a:lvl8pPr marL="13441680" indent="0">
+              <a:buNone/>
+              <a:defRPr sz="6720">
                 <a:solidFill>
                   <a:schemeClr val="tx1">
                     <a:tint val="75000"/>
@@ -967,9 +972,9 @@
                 </a:solidFill>
               </a:defRPr>
             </a:lvl8pPr>
-            <a:lvl9pPr marL="3657600" indent="0">
-              <a:buNone/>
-              <a:defRPr sz="1600">
+            <a:lvl9pPr marL="15361920" indent="0">
+              <a:buNone/>
+              <a:defRPr sz="6720">
                 <a:solidFill>
                   <a:schemeClr val="tx1">
                     <a:tint val="75000"/>
@@ -1004,7 +1009,7 @@
           <a:p>
             <a:fld id="{6BEFD154-C085-4329-83E8-414F00BD1DA0}" type="datetimeFigureOut">
               <a:rPr lang="en-US" smtClean="0"/>
-              <a:t>11/2/2016</a:t>
+              <a:t>11/7/2016</a:t>
             </a:fld>
             <a:endParaRPr lang="en-US"/>
           </a:p>
@@ -1055,7 +1060,7 @@
     </p:spTree>
     <p:extLst>
       <p:ext uri="{BB962C8B-B14F-4D97-AF65-F5344CB8AC3E}">
-        <p14:creationId xmlns:p14="http://schemas.microsoft.com/office/powerpoint/2010/main" val="3283826724"/>
+        <p14:creationId xmlns:p14="http://schemas.microsoft.com/office/powerpoint/2010/main" val="160646880"/>
       </p:ext>
     </p:extLst>
   </p:cSld>
@@ -1101,7 +1106,7 @@
               <a:rPr lang="en-US"/>
               <a:t>Click to edit Master title style</a:t>
             </a:r>
-            <a:endParaRPr lang="en-US"/>
+            <a:endParaRPr lang="en-US" dirty="0"/>
           </a:p>
         </p:txBody>
       </p:sp>
@@ -1117,8 +1122,8 @@
         </p:nvSpPr>
         <p:spPr>
           <a:xfrm>
-            <a:off x="838200" y="1825625"/>
-            <a:ext cx="5181600" cy="4351338"/>
+            <a:off x="3520440" y="8763000"/>
+            <a:ext cx="21762720" cy="20886422"/>
           </a:xfrm>
         </p:spPr>
         <p:txBody>
@@ -1158,7 +1163,7 @@
               <a:rPr lang="en-US"/>
               <a:t>Fifth level</a:t>
             </a:r>
-            <a:endParaRPr lang="en-US"/>
+            <a:endParaRPr lang="en-US" dirty="0"/>
           </a:p>
         </p:txBody>
       </p:sp>
@@ -1174,8 +1179,8 @@
         </p:nvSpPr>
         <p:spPr>
           <a:xfrm>
-            <a:off x="6172200" y="1825625"/>
-            <a:ext cx="5181600" cy="4351338"/>
+            <a:off x="25923240" y="8763000"/>
+            <a:ext cx="21762720" cy="20886422"/>
           </a:xfrm>
         </p:spPr>
         <p:txBody>
@@ -1215,7 +1220,7 @@
               <a:rPr lang="en-US"/>
               <a:t>Fifth level</a:t>
             </a:r>
-            <a:endParaRPr lang="en-US"/>
+            <a:endParaRPr lang="en-US" dirty="0"/>
           </a:p>
         </p:txBody>
       </p:sp>
@@ -1236,7 +1241,7 @@
           <a:p>
             <a:fld id="{6BEFD154-C085-4329-83E8-414F00BD1DA0}" type="datetimeFigureOut">
               <a:rPr lang="en-US" smtClean="0"/>
-              <a:t>11/2/2016</a:t>
+              <a:t>11/7/2016</a:t>
             </a:fld>
             <a:endParaRPr lang="en-US"/>
           </a:p>
@@ -1287,7 +1292,7 @@
     </p:spTree>
     <p:extLst>
       <p:ext uri="{BB962C8B-B14F-4D97-AF65-F5344CB8AC3E}">
-        <p14:creationId xmlns:p14="http://schemas.microsoft.com/office/powerpoint/2010/main" val="3945167940"/>
+        <p14:creationId xmlns:p14="http://schemas.microsoft.com/office/powerpoint/2010/main" val="2157810960"/>
       </p:ext>
     </p:extLst>
   </p:cSld>
@@ -1326,8 +1331,8 @@
         </p:nvSpPr>
         <p:spPr>
           <a:xfrm>
-            <a:off x="839788" y="365125"/>
-            <a:ext cx="10515600" cy="1325563"/>
+            <a:off x="3527110" y="1752603"/>
+            <a:ext cx="44165520" cy="6362702"/>
           </a:xfrm>
         </p:spPr>
         <p:txBody>
@@ -1338,7 +1343,7 @@
               <a:rPr lang="en-US"/>
               <a:t>Click to edit Master title style</a:t>
             </a:r>
-            <a:endParaRPr lang="en-US"/>
+            <a:endParaRPr lang="en-US" dirty="0"/>
           </a:p>
         </p:txBody>
       </p:sp>
@@ -1354,8 +1359,8 @@
         </p:nvSpPr>
         <p:spPr>
           <a:xfrm>
-            <a:off x="839788" y="1681163"/>
-            <a:ext cx="5157787" cy="823912"/>
+            <a:off x="3527112" y="8069582"/>
+            <a:ext cx="21662705" cy="3954778"/>
           </a:xfrm>
         </p:spPr>
         <p:txBody>
@@ -1363,39 +1368,39 @@
           <a:lstStyle>
             <a:lvl1pPr marL="0" indent="0">
               <a:buNone/>
-              <a:defRPr sz="2400" b="1"/>
+              <a:defRPr sz="10080" b="1"/>
             </a:lvl1pPr>
-            <a:lvl2pPr marL="457200" indent="0">
-              <a:buNone/>
-              <a:defRPr sz="2000" b="1"/>
+            <a:lvl2pPr marL="1920240" indent="0">
+              <a:buNone/>
+              <a:defRPr sz="8400" b="1"/>
             </a:lvl2pPr>
-            <a:lvl3pPr marL="914400" indent="0">
-              <a:buNone/>
-              <a:defRPr sz="1800" b="1"/>
+            <a:lvl3pPr marL="3840480" indent="0">
+              <a:buNone/>
+              <a:defRPr sz="7560" b="1"/>
             </a:lvl3pPr>
-            <a:lvl4pPr marL="1371600" indent="0">
-              <a:buNone/>
-              <a:defRPr sz="1600" b="1"/>
+            <a:lvl4pPr marL="5760720" indent="0">
+              <a:buNone/>
+              <a:defRPr sz="6720" b="1"/>
             </a:lvl4pPr>
-            <a:lvl5pPr marL="1828800" indent="0">
-              <a:buNone/>
-              <a:defRPr sz="1600" b="1"/>
+            <a:lvl5pPr marL="7680960" indent="0">
+              <a:buNone/>
+              <a:defRPr sz="6720" b="1"/>
             </a:lvl5pPr>
-            <a:lvl6pPr marL="2286000" indent="0">
-              <a:buNone/>
-              <a:defRPr sz="1600" b="1"/>
+            <a:lvl6pPr marL="9601200" indent="0">
+              <a:buNone/>
+              <a:defRPr sz="6720" b="1"/>
             </a:lvl6pPr>
-            <a:lvl7pPr marL="2743200" indent="0">
-              <a:buNone/>
-              <a:defRPr sz="1600" b="1"/>
+            <a:lvl7pPr marL="11521440" indent="0">
+              <a:buNone/>
+              <a:defRPr sz="6720" b="1"/>
             </a:lvl7pPr>
-            <a:lvl8pPr marL="3200400" indent="0">
-              <a:buNone/>
-              <a:defRPr sz="1600" b="1"/>
+            <a:lvl8pPr marL="13441680" indent="0">
+              <a:buNone/>
+              <a:defRPr sz="6720" b="1"/>
             </a:lvl8pPr>
-            <a:lvl9pPr marL="3657600" indent="0">
-              <a:buNone/>
-              <a:defRPr sz="1600" b="1"/>
+            <a:lvl9pPr marL="15361920" indent="0">
+              <a:buNone/>
+              <a:defRPr sz="6720" b="1"/>
             </a:lvl9pPr>
           </a:lstStyle>
           <a:p>
@@ -1419,8 +1424,8 @@
         </p:nvSpPr>
         <p:spPr>
           <a:xfrm>
-            <a:off x="839788" y="2505075"/>
-            <a:ext cx="5157787" cy="3684588"/>
+            <a:off x="3527112" y="12024360"/>
+            <a:ext cx="21662705" cy="17686022"/>
           </a:xfrm>
         </p:spPr>
         <p:txBody>
@@ -1460,7 +1465,7 @@
               <a:rPr lang="en-US"/>
               <a:t>Fifth level</a:t>
             </a:r>
-            <a:endParaRPr lang="en-US"/>
+            <a:endParaRPr lang="en-US" dirty="0"/>
           </a:p>
         </p:txBody>
       </p:sp>
@@ -1476,8 +1481,8 @@
         </p:nvSpPr>
         <p:spPr>
           <a:xfrm>
-            <a:off x="6172200" y="1681163"/>
-            <a:ext cx="5183188" cy="823912"/>
+            <a:off x="25923240" y="8069582"/>
+            <a:ext cx="21769390" cy="3954778"/>
           </a:xfrm>
         </p:spPr>
         <p:txBody>
@@ -1485,39 +1490,39 @@
           <a:lstStyle>
             <a:lvl1pPr marL="0" indent="0">
               <a:buNone/>
-              <a:defRPr sz="2400" b="1"/>
+              <a:defRPr sz="10080" b="1"/>
             </a:lvl1pPr>
-            <a:lvl2pPr marL="457200" indent="0">
-              <a:buNone/>
-              <a:defRPr sz="2000" b="1"/>
+            <a:lvl2pPr marL="1920240" indent="0">
+              <a:buNone/>
+              <a:defRPr sz="8400" b="1"/>
             </a:lvl2pPr>
-            <a:lvl3pPr marL="914400" indent="0">
-              <a:buNone/>
-              <a:defRPr sz="1800" b="1"/>
+            <a:lvl3pPr marL="3840480" indent="0">
+              <a:buNone/>
+              <a:defRPr sz="7560" b="1"/>
             </a:lvl3pPr>
-            <a:lvl4pPr marL="1371600" indent="0">
-              <a:buNone/>
-              <a:defRPr sz="1600" b="1"/>
+            <a:lvl4pPr marL="5760720" indent="0">
+              <a:buNone/>
+              <a:defRPr sz="6720" b="1"/>
             </a:lvl4pPr>
-            <a:lvl5pPr marL="1828800" indent="0">
-              <a:buNone/>
-              <a:defRPr sz="1600" b="1"/>
+            <a:lvl5pPr marL="7680960" indent="0">
+              <a:buNone/>
+              <a:defRPr sz="6720" b="1"/>
             </a:lvl5pPr>
-            <a:lvl6pPr marL="2286000" indent="0">
-              <a:buNone/>
-              <a:defRPr sz="1600" b="1"/>
+            <a:lvl6pPr marL="9601200" indent="0">
+              <a:buNone/>
+              <a:defRPr sz="6720" b="1"/>
             </a:lvl6pPr>
-            <a:lvl7pPr marL="2743200" indent="0">
-              <a:buNone/>
-              <a:defRPr sz="1600" b="1"/>
+            <a:lvl7pPr marL="11521440" indent="0">
+              <a:buNone/>
+              <a:defRPr sz="6720" b="1"/>
             </a:lvl7pPr>
-            <a:lvl8pPr marL="3200400" indent="0">
-              <a:buNone/>
-              <a:defRPr sz="1600" b="1"/>
+            <a:lvl8pPr marL="13441680" indent="0">
+              <a:buNone/>
+              <a:defRPr sz="6720" b="1"/>
             </a:lvl8pPr>
-            <a:lvl9pPr marL="3657600" indent="0">
-              <a:buNone/>
-              <a:defRPr sz="1600" b="1"/>
+            <a:lvl9pPr marL="15361920" indent="0">
+              <a:buNone/>
+              <a:defRPr sz="6720" b="1"/>
             </a:lvl9pPr>
           </a:lstStyle>
           <a:p>
@@ -1541,8 +1546,8 @@
         </p:nvSpPr>
         <p:spPr>
           <a:xfrm>
-            <a:off x="6172200" y="2505075"/>
-            <a:ext cx="5183188" cy="3684588"/>
+            <a:off x="25923240" y="12024360"/>
+            <a:ext cx="21769390" cy="17686022"/>
           </a:xfrm>
         </p:spPr>
         <p:txBody>
@@ -1582,7 +1587,7 @@
               <a:rPr lang="en-US"/>
               <a:t>Fifth level</a:t>
             </a:r>
-            <a:endParaRPr lang="en-US"/>
+            <a:endParaRPr lang="en-US" dirty="0"/>
           </a:p>
         </p:txBody>
       </p:sp>
@@ -1603,7 +1608,7 @@
           <a:p>
             <a:fld id="{6BEFD154-C085-4329-83E8-414F00BD1DA0}" type="datetimeFigureOut">
               <a:rPr lang="en-US" smtClean="0"/>
-              <a:t>11/2/2016</a:t>
+              <a:t>11/7/2016</a:t>
             </a:fld>
             <a:endParaRPr lang="en-US"/>
           </a:p>
@@ -1654,7 +1659,7 @@
     </p:spTree>
     <p:extLst>
       <p:ext uri="{BB962C8B-B14F-4D97-AF65-F5344CB8AC3E}">
-        <p14:creationId xmlns:p14="http://schemas.microsoft.com/office/powerpoint/2010/main" val="1852292870"/>
+        <p14:creationId xmlns:p14="http://schemas.microsoft.com/office/powerpoint/2010/main" val="1395079389"/>
       </p:ext>
     </p:extLst>
   </p:cSld>
@@ -1700,7 +1705,7 @@
               <a:rPr lang="en-US"/>
               <a:t>Click to edit Master title style</a:t>
             </a:r>
-            <a:endParaRPr lang="en-US"/>
+            <a:endParaRPr lang="en-US" dirty="0"/>
           </a:p>
         </p:txBody>
       </p:sp>
@@ -1721,7 +1726,7 @@
           <a:p>
             <a:fld id="{6BEFD154-C085-4329-83E8-414F00BD1DA0}" type="datetimeFigureOut">
               <a:rPr lang="en-US" smtClean="0"/>
-              <a:t>11/2/2016</a:t>
+              <a:t>11/7/2016</a:t>
             </a:fld>
             <a:endParaRPr lang="en-US"/>
           </a:p>
@@ -1772,7 +1777,7 @@
     </p:spTree>
     <p:extLst>
       <p:ext uri="{BB962C8B-B14F-4D97-AF65-F5344CB8AC3E}">
-        <p14:creationId xmlns:p14="http://schemas.microsoft.com/office/powerpoint/2010/main" val="196584290"/>
+        <p14:creationId xmlns:p14="http://schemas.microsoft.com/office/powerpoint/2010/main" val="2508965420"/>
       </p:ext>
     </p:extLst>
   </p:cSld>
@@ -1816,7 +1821,7 @@
           <a:p>
             <a:fld id="{6BEFD154-C085-4329-83E8-414F00BD1DA0}" type="datetimeFigureOut">
               <a:rPr lang="en-US" smtClean="0"/>
-              <a:t>11/2/2016</a:t>
+              <a:t>11/7/2016</a:t>
             </a:fld>
             <a:endParaRPr lang="en-US"/>
           </a:p>
@@ -1867,7 +1872,7 @@
     </p:spTree>
     <p:extLst>
       <p:ext uri="{BB962C8B-B14F-4D97-AF65-F5344CB8AC3E}">
-        <p14:creationId xmlns:p14="http://schemas.microsoft.com/office/powerpoint/2010/main" val="3235451586"/>
+        <p14:creationId xmlns:p14="http://schemas.microsoft.com/office/powerpoint/2010/main" val="3712683789"/>
       </p:ext>
     </p:extLst>
   </p:cSld>
@@ -1906,15 +1911,15 @@
         </p:nvSpPr>
         <p:spPr>
           <a:xfrm>
-            <a:off x="839788" y="457200"/>
-            <a:ext cx="3932237" cy="1600200"/>
+            <a:off x="3527112" y="2194560"/>
+            <a:ext cx="16515395" cy="7680960"/>
           </a:xfrm>
         </p:spPr>
         <p:txBody>
           <a:bodyPr anchor="b"/>
           <a:lstStyle>
             <a:lvl1pPr>
-              <a:defRPr sz="3200"/>
+              <a:defRPr sz="13440"/>
             </a:lvl1pPr>
           </a:lstStyle>
           <a:p>
@@ -1922,7 +1927,7 @@
               <a:rPr lang="en-US"/>
               <a:t>Click to edit Master title style</a:t>
             </a:r>
-            <a:endParaRPr lang="en-US"/>
+            <a:endParaRPr lang="en-US" dirty="0"/>
           </a:p>
         </p:txBody>
       </p:sp>
@@ -1938,39 +1943,39 @@
         </p:nvSpPr>
         <p:spPr>
           <a:xfrm>
-            <a:off x="5183188" y="987425"/>
-            <a:ext cx="6172200" cy="4873625"/>
+            <a:off x="21769390" y="4739642"/>
+            <a:ext cx="25923240" cy="23393400"/>
           </a:xfrm>
         </p:spPr>
         <p:txBody>
           <a:bodyPr/>
           <a:lstStyle>
             <a:lvl1pPr>
-              <a:defRPr sz="3200"/>
+              <a:defRPr sz="13440"/>
             </a:lvl1pPr>
             <a:lvl2pPr>
-              <a:defRPr sz="2800"/>
+              <a:defRPr sz="11760"/>
             </a:lvl2pPr>
             <a:lvl3pPr>
-              <a:defRPr sz="2400"/>
+              <a:defRPr sz="10080"/>
             </a:lvl3pPr>
             <a:lvl4pPr>
-              <a:defRPr sz="2000"/>
+              <a:defRPr sz="8400"/>
             </a:lvl4pPr>
             <a:lvl5pPr>
-              <a:defRPr sz="2000"/>
+              <a:defRPr sz="8400"/>
             </a:lvl5pPr>
             <a:lvl6pPr>
-              <a:defRPr sz="2000"/>
+              <a:defRPr sz="8400"/>
             </a:lvl6pPr>
             <a:lvl7pPr>
-              <a:defRPr sz="2000"/>
+              <a:defRPr sz="8400"/>
             </a:lvl7pPr>
             <a:lvl8pPr>
-              <a:defRPr sz="2000"/>
+              <a:defRPr sz="8400"/>
             </a:lvl8pPr>
             <a:lvl9pPr>
-              <a:defRPr sz="2000"/>
+              <a:defRPr sz="8400"/>
             </a:lvl9pPr>
           </a:lstStyle>
           <a:p>
@@ -2007,7 +2012,7 @@
               <a:rPr lang="en-US"/>
               <a:t>Fifth level</a:t>
             </a:r>
-            <a:endParaRPr lang="en-US"/>
+            <a:endParaRPr lang="en-US" dirty="0"/>
           </a:p>
         </p:txBody>
       </p:sp>
@@ -2023,8 +2028,8 @@
         </p:nvSpPr>
         <p:spPr>
           <a:xfrm>
-            <a:off x="839788" y="2057400"/>
-            <a:ext cx="3932237" cy="3811588"/>
+            <a:off x="3527112" y="9875520"/>
+            <a:ext cx="16515395" cy="18295622"/>
           </a:xfrm>
         </p:spPr>
         <p:txBody>
@@ -2032,39 +2037,39 @@
           <a:lstStyle>
             <a:lvl1pPr marL="0" indent="0">
               <a:buNone/>
-              <a:defRPr sz="1600"/>
+              <a:defRPr sz="6720"/>
             </a:lvl1pPr>
-            <a:lvl2pPr marL="457200" indent="0">
-              <a:buNone/>
-              <a:defRPr sz="1400"/>
+            <a:lvl2pPr marL="1920240" indent="0">
+              <a:buNone/>
+              <a:defRPr sz="5880"/>
             </a:lvl2pPr>
-            <a:lvl3pPr marL="914400" indent="0">
-              <a:buNone/>
-              <a:defRPr sz="1200"/>
+            <a:lvl3pPr marL="3840480" indent="0">
+              <a:buNone/>
+              <a:defRPr sz="5040"/>
             </a:lvl3pPr>
-            <a:lvl4pPr marL="1371600" indent="0">
-              <a:buNone/>
-              <a:defRPr sz="1000"/>
+            <a:lvl4pPr marL="5760720" indent="0">
+              <a:buNone/>
+              <a:defRPr sz="4200"/>
             </a:lvl4pPr>
-            <a:lvl5pPr marL="1828800" indent="0">
-              <a:buNone/>
-              <a:defRPr sz="1000"/>
+            <a:lvl5pPr marL="7680960" indent="0">
+              <a:buNone/>
+              <a:defRPr sz="4200"/>
             </a:lvl5pPr>
-            <a:lvl6pPr marL="2286000" indent="0">
-              <a:buNone/>
-              <a:defRPr sz="1000"/>
+            <a:lvl6pPr marL="9601200" indent="0">
+              <a:buNone/>
+              <a:defRPr sz="4200"/>
             </a:lvl6pPr>
-            <a:lvl7pPr marL="2743200" indent="0">
-              <a:buNone/>
-              <a:defRPr sz="1000"/>
+            <a:lvl7pPr marL="11521440" indent="0">
+              <a:buNone/>
+              <a:defRPr sz="4200"/>
             </a:lvl7pPr>
-            <a:lvl8pPr marL="3200400" indent="0">
-              <a:buNone/>
-              <a:defRPr sz="1000"/>
+            <a:lvl8pPr marL="13441680" indent="0">
+              <a:buNone/>
+              <a:defRPr sz="4200"/>
             </a:lvl8pPr>
-            <a:lvl9pPr marL="3657600" indent="0">
-              <a:buNone/>
-              <a:defRPr sz="1000"/>
+            <a:lvl9pPr marL="15361920" indent="0">
+              <a:buNone/>
+              <a:defRPr sz="4200"/>
             </a:lvl9pPr>
           </a:lstStyle>
           <a:p>
@@ -2093,7 +2098,7 @@
           <a:p>
             <a:fld id="{6BEFD154-C085-4329-83E8-414F00BD1DA0}" type="datetimeFigureOut">
               <a:rPr lang="en-US" smtClean="0"/>
-              <a:t>11/2/2016</a:t>
+              <a:t>11/7/2016</a:t>
             </a:fld>
             <a:endParaRPr lang="en-US"/>
           </a:p>
@@ -2144,7 +2149,7 @@
     </p:spTree>
     <p:extLst>
       <p:ext uri="{BB962C8B-B14F-4D97-AF65-F5344CB8AC3E}">
-        <p14:creationId xmlns:p14="http://schemas.microsoft.com/office/powerpoint/2010/main" val="3400130014"/>
+        <p14:creationId xmlns:p14="http://schemas.microsoft.com/office/powerpoint/2010/main" val="2222012554"/>
       </p:ext>
     </p:extLst>
   </p:cSld>
@@ -2183,15 +2188,15 @@
         </p:nvSpPr>
         <p:spPr>
           <a:xfrm>
-            <a:off x="839788" y="457200"/>
-            <a:ext cx="3932237" cy="1600200"/>
+            <a:off x="3527112" y="2194560"/>
+            <a:ext cx="16515395" cy="7680960"/>
           </a:xfrm>
         </p:spPr>
         <p:txBody>
           <a:bodyPr anchor="b"/>
           <a:lstStyle>
             <a:lvl1pPr>
-              <a:defRPr sz="3200"/>
+              <a:defRPr sz="13440"/>
             </a:lvl1pPr>
           </a:lstStyle>
           <a:p>
@@ -2199,7 +2204,7 @@
               <a:rPr lang="en-US"/>
               <a:t>Click to edit Master title style</a:t>
             </a:r>
-            <a:endParaRPr lang="en-US"/>
+            <a:endParaRPr lang="en-US" dirty="0"/>
           </a:p>
         </p:txBody>
       </p:sp>
@@ -2207,7 +2212,7 @@
         <p:nvSpPr>
           <p:cNvPr id="3" name="Picture Placeholder 2"/>
           <p:cNvSpPr>
-            <a:spLocks noGrp="1"/>
+            <a:spLocks noGrp="1" noChangeAspect="1"/>
           </p:cNvSpPr>
           <p:nvPr>
             <p:ph type="pic" idx="1"/>
@@ -2215,52 +2220,56 @@
         </p:nvSpPr>
         <p:spPr>
           <a:xfrm>
-            <a:off x="5183188" y="987425"/>
-            <a:ext cx="6172200" cy="4873625"/>
+            <a:off x="21769390" y="4739642"/>
+            <a:ext cx="25923240" cy="23393400"/>
           </a:xfrm>
         </p:spPr>
         <p:txBody>
-          <a:bodyPr/>
+          <a:bodyPr anchor="t"/>
           <a:lstStyle>
             <a:lvl1pPr marL="0" indent="0">
               <a:buNone/>
-              <a:defRPr sz="3200"/>
+              <a:defRPr sz="13440"/>
             </a:lvl1pPr>
-            <a:lvl2pPr marL="457200" indent="0">
-              <a:buNone/>
-              <a:defRPr sz="2800"/>
+            <a:lvl2pPr marL="1920240" indent="0">
+              <a:buNone/>
+              <a:defRPr sz="11760"/>
             </a:lvl2pPr>
-            <a:lvl3pPr marL="914400" indent="0">
-              <a:buNone/>
-              <a:defRPr sz="2400"/>
+            <a:lvl3pPr marL="3840480" indent="0">
+              <a:buNone/>
+              <a:defRPr sz="10080"/>
             </a:lvl3pPr>
-            <a:lvl4pPr marL="1371600" indent="0">
-              <a:buNone/>
-              <a:defRPr sz="2000"/>
+            <a:lvl4pPr marL="5760720" indent="0">
+              <a:buNone/>
+              <a:defRPr sz="8400"/>
             </a:lvl4pPr>
-            <a:lvl5pPr marL="1828800" indent="0">
-              <a:buNone/>
-              <a:defRPr sz="2000"/>
+            <a:lvl5pPr marL="7680960" indent="0">
+              <a:buNone/>
+              <a:defRPr sz="8400"/>
             </a:lvl5pPr>
-            <a:lvl6pPr marL="2286000" indent="0">
-              <a:buNone/>
-              <a:defRPr sz="2000"/>
+            <a:lvl6pPr marL="9601200" indent="0">
+              <a:buNone/>
+              <a:defRPr sz="8400"/>
             </a:lvl6pPr>
-            <a:lvl7pPr marL="2743200" indent="0">
-              <a:buNone/>
-              <a:defRPr sz="2000"/>
+            <a:lvl7pPr marL="11521440" indent="0">
+              <a:buNone/>
+              <a:defRPr sz="8400"/>
             </a:lvl7pPr>
-            <a:lvl8pPr marL="3200400" indent="0">
-              <a:buNone/>
-              <a:defRPr sz="2000"/>
+            <a:lvl8pPr marL="13441680" indent="0">
+              <a:buNone/>
+              <a:defRPr sz="8400"/>
             </a:lvl8pPr>
-            <a:lvl9pPr marL="3657600" indent="0">
-              <a:buNone/>
-              <a:defRPr sz="2000"/>
+            <a:lvl9pPr marL="15361920" indent="0">
+              <a:buNone/>
+              <a:defRPr sz="8400"/>
             </a:lvl9pPr>
           </a:lstStyle>
           <a:p>
-            <a:endParaRPr lang="en-US"/>
+            <a:r>
+              <a:rPr lang="en-US"/>
+              <a:t>Click icon to add picture</a:t>
+            </a:r>
+            <a:endParaRPr lang="en-US" dirty="0"/>
           </a:p>
         </p:txBody>
       </p:sp>
@@ -2276,8 +2285,8 @@
         </p:nvSpPr>
         <p:spPr>
           <a:xfrm>
-            <a:off x="839788" y="2057400"/>
-            <a:ext cx="3932237" cy="3811588"/>
+            <a:off x="3527112" y="9875520"/>
+            <a:ext cx="16515395" cy="18295622"/>
           </a:xfrm>
         </p:spPr>
         <p:txBody>
@@ -2285,39 +2294,39 @@
           <a:lstStyle>
             <a:lvl1pPr marL="0" indent="0">
               <a:buNone/>
-              <a:defRPr sz="1600"/>
+              <a:defRPr sz="6720"/>
             </a:lvl1pPr>
-            <a:lvl2pPr marL="457200" indent="0">
-              <a:buNone/>
-              <a:defRPr sz="1400"/>
+            <a:lvl2pPr marL="1920240" indent="0">
+              <a:buNone/>
+              <a:defRPr sz="5880"/>
             </a:lvl2pPr>
-            <a:lvl3pPr marL="914400" indent="0">
-              <a:buNone/>
-              <a:defRPr sz="1200"/>
+            <a:lvl3pPr marL="3840480" indent="0">
+              <a:buNone/>
+              <a:defRPr sz="5040"/>
             </a:lvl3pPr>
-            <a:lvl4pPr marL="1371600" indent="0">
-              <a:buNone/>
-              <a:defRPr sz="1000"/>
+            <a:lvl4pPr marL="5760720" indent="0">
+              <a:buNone/>
+              <a:defRPr sz="4200"/>
             </a:lvl4pPr>
-            <a:lvl5pPr marL="1828800" indent="0">
-              <a:buNone/>
-              <a:defRPr sz="1000"/>
+            <a:lvl5pPr marL="7680960" indent="0">
+              <a:buNone/>
+              <a:defRPr sz="4200"/>
             </a:lvl5pPr>
-            <a:lvl6pPr marL="2286000" indent="0">
-              <a:buNone/>
-              <a:defRPr sz="1000"/>
+            <a:lvl6pPr marL="9601200" indent="0">
+              <a:buNone/>
+              <a:defRPr sz="4200"/>
             </a:lvl6pPr>
-            <a:lvl7pPr marL="2743200" indent="0">
-              <a:buNone/>
-              <a:defRPr sz="1000"/>
+            <a:lvl7pPr marL="11521440" indent="0">
+              <a:buNone/>
+              <a:defRPr sz="4200"/>
             </a:lvl7pPr>
-            <a:lvl8pPr marL="3200400" indent="0">
-              <a:buNone/>
-              <a:defRPr sz="1000"/>
+            <a:lvl8pPr marL="13441680" indent="0">
+              <a:buNone/>
+              <a:defRPr sz="4200"/>
             </a:lvl8pPr>
-            <a:lvl9pPr marL="3657600" indent="0">
-              <a:buNone/>
-              <a:defRPr sz="1000"/>
+            <a:lvl9pPr marL="15361920" indent="0">
+              <a:buNone/>
+              <a:defRPr sz="4200"/>
             </a:lvl9pPr>
           </a:lstStyle>
           <a:p>
@@ -2346,7 +2355,7 @@
           <a:p>
             <a:fld id="{6BEFD154-C085-4329-83E8-414F00BD1DA0}" type="datetimeFigureOut">
               <a:rPr lang="en-US" smtClean="0"/>
-              <a:t>11/2/2016</a:t>
+              <a:t>11/7/2016</a:t>
             </a:fld>
             <a:endParaRPr lang="en-US"/>
           </a:p>
@@ -2397,7 +2406,7 @@
     </p:spTree>
     <p:extLst>
       <p:ext uri="{BB962C8B-B14F-4D97-AF65-F5344CB8AC3E}">
-        <p14:creationId xmlns:p14="http://schemas.microsoft.com/office/powerpoint/2010/main" val="419857747"/>
+        <p14:creationId xmlns:p14="http://schemas.microsoft.com/office/powerpoint/2010/main" val="116326604"/>
       </p:ext>
     </p:extLst>
   </p:cSld>
@@ -2441,8 +2450,8 @@
         </p:nvSpPr>
         <p:spPr>
           <a:xfrm>
-            <a:off x="838200" y="365125"/>
-            <a:ext cx="10515600" cy="1325563"/>
+            <a:off x="3520440" y="1752603"/>
+            <a:ext cx="44165520" cy="6362702"/>
           </a:xfrm>
           <a:prstGeom prst="rect">
             <a:avLst/>
@@ -2458,7 +2467,7 @@
               <a:rPr lang="en-US"/>
               <a:t>Click to edit Master title style</a:t>
             </a:r>
-            <a:endParaRPr lang="en-US"/>
+            <a:endParaRPr lang="en-US" dirty="0"/>
           </a:p>
         </p:txBody>
       </p:sp>
@@ -2474,8 +2483,8 @@
         </p:nvSpPr>
         <p:spPr>
           <a:xfrm>
-            <a:off x="838200" y="1825625"/>
-            <a:ext cx="10515600" cy="4351338"/>
+            <a:off x="3520440" y="8763000"/>
+            <a:ext cx="44165520" cy="20886422"/>
           </a:xfrm>
           <a:prstGeom prst="rect">
             <a:avLst/>
@@ -2520,7 +2529,7 @@
               <a:rPr lang="en-US"/>
               <a:t>Fifth level</a:t>
             </a:r>
-            <a:endParaRPr lang="en-US"/>
+            <a:endParaRPr lang="en-US" dirty="0"/>
           </a:p>
         </p:txBody>
       </p:sp>
@@ -2536,8 +2545,8 @@
         </p:nvSpPr>
         <p:spPr>
           <a:xfrm>
-            <a:off x="838200" y="6356350"/>
-            <a:ext cx="2743200" cy="365125"/>
+            <a:off x="3520440" y="30510482"/>
+            <a:ext cx="11521440" cy="1752600"/>
           </a:xfrm>
           <a:prstGeom prst="rect">
             <a:avLst/>
@@ -2547,7 +2556,7 @@
           <a:bodyPr vert="horz" lIns="91440" tIns="45720" rIns="91440" bIns="45720" rtlCol="0" anchor="ctr"/>
           <a:lstStyle>
             <a:lvl1pPr algn="l">
-              <a:defRPr sz="1200">
+              <a:defRPr sz="5040">
                 <a:solidFill>
                   <a:schemeClr val="tx1">
                     <a:tint val="75000"/>
@@ -2559,7 +2568,7 @@
           <a:p>
             <a:fld id="{6BEFD154-C085-4329-83E8-414F00BD1DA0}" type="datetimeFigureOut">
               <a:rPr lang="en-US" smtClean="0"/>
-              <a:t>11/2/2016</a:t>
+              <a:t>11/7/2016</a:t>
             </a:fld>
             <a:endParaRPr lang="en-US"/>
           </a:p>
@@ -2577,8 +2586,8 @@
         </p:nvSpPr>
         <p:spPr>
           <a:xfrm>
-            <a:off x="4038600" y="6356350"/>
-            <a:ext cx="4114800" cy="365125"/>
+            <a:off x="16962120" y="30510482"/>
+            <a:ext cx="17282160" cy="1752600"/>
           </a:xfrm>
           <a:prstGeom prst="rect">
             <a:avLst/>
@@ -2588,7 +2597,7 @@
           <a:bodyPr vert="horz" lIns="91440" tIns="45720" rIns="91440" bIns="45720" rtlCol="0" anchor="ctr"/>
           <a:lstStyle>
             <a:lvl1pPr algn="ctr">
-              <a:defRPr sz="1200">
+              <a:defRPr sz="5040">
                 <a:solidFill>
                   <a:schemeClr val="tx1">
                     <a:tint val="75000"/>
@@ -2614,8 +2623,8 @@
         </p:nvSpPr>
         <p:spPr>
           <a:xfrm>
-            <a:off x="8610600" y="6356350"/>
-            <a:ext cx="2743200" cy="365125"/>
+            <a:off x="36164520" y="30510482"/>
+            <a:ext cx="11521440" cy="1752600"/>
           </a:xfrm>
           <a:prstGeom prst="rect">
             <a:avLst/>
@@ -2625,7 +2634,7 @@
           <a:bodyPr vert="horz" lIns="91440" tIns="45720" rIns="91440" bIns="45720" rtlCol="0" anchor="ctr"/>
           <a:lstStyle>
             <a:lvl1pPr algn="r">
-              <a:defRPr sz="1200">
+              <a:defRPr sz="5040">
                 <a:solidFill>
                   <a:schemeClr val="tx1">
                     <a:tint val="75000"/>
@@ -2646,27 +2655,27 @@
     </p:spTree>
     <p:extLst>
       <p:ext uri="{BB962C8B-B14F-4D97-AF65-F5344CB8AC3E}">
-        <p14:creationId xmlns:p14="http://schemas.microsoft.com/office/powerpoint/2010/main" val="3023322348"/>
+        <p14:creationId xmlns:p14="http://schemas.microsoft.com/office/powerpoint/2010/main" val="2655506703"/>
       </p:ext>
     </p:extLst>
   </p:cSld>
   <p:clrMap bg1="lt1" tx1="dk1" bg2="lt2" tx2="dk2" accent1="accent1" accent2="accent2" accent3="accent3" accent4="accent4" accent5="accent5" accent6="accent6" hlink="hlink" folHlink="folHlink"/>
   <p:sldLayoutIdLst>
-    <p:sldLayoutId id="2147483649" r:id="rId1"/>
-    <p:sldLayoutId id="2147483650" r:id="rId2"/>
-    <p:sldLayoutId id="2147483651" r:id="rId3"/>
-    <p:sldLayoutId id="2147483652" r:id="rId4"/>
-    <p:sldLayoutId id="2147483653" r:id="rId5"/>
-    <p:sldLayoutId id="2147483654" r:id="rId6"/>
-    <p:sldLayoutId id="2147483655" r:id="rId7"/>
-    <p:sldLayoutId id="2147483656" r:id="rId8"/>
-    <p:sldLayoutId id="2147483657" r:id="rId9"/>
-    <p:sldLayoutId id="2147483658" r:id="rId10"/>
-    <p:sldLayoutId id="2147483659" r:id="rId11"/>
+    <p:sldLayoutId id="2147483673" r:id="rId1"/>
+    <p:sldLayoutId id="2147483674" r:id="rId2"/>
+    <p:sldLayoutId id="2147483675" r:id="rId3"/>
+    <p:sldLayoutId id="2147483676" r:id="rId4"/>
+    <p:sldLayoutId id="2147483677" r:id="rId5"/>
+    <p:sldLayoutId id="2147483678" r:id="rId6"/>
+    <p:sldLayoutId id="2147483679" r:id="rId7"/>
+    <p:sldLayoutId id="2147483680" r:id="rId8"/>
+    <p:sldLayoutId id="2147483681" r:id="rId9"/>
+    <p:sldLayoutId id="2147483682" r:id="rId10"/>
+    <p:sldLayoutId id="2147483683" r:id="rId11"/>
   </p:sldLayoutIdLst>
   <p:txStyles>
     <p:titleStyle>
-      <a:lvl1pPr algn="l" defTabSz="914400" rtl="0" eaLnBrk="1" latinLnBrk="0" hangingPunct="1">
+      <a:lvl1pPr algn="l" defTabSz="3840480" rtl="0" eaLnBrk="1" latinLnBrk="0" hangingPunct="1">
         <a:lnSpc>
           <a:spcPct val="90000"/>
         </a:lnSpc>
@@ -2674,7 +2683,7 @@
           <a:spcPct val="0"/>
         </a:spcBef>
         <a:buNone/>
-        <a:defRPr sz="4400" kern="1200">
+        <a:defRPr sz="18480" kern="1200">
           <a:solidFill>
             <a:schemeClr val="tx1"/>
           </a:solidFill>
@@ -2685,16 +2694,16 @@
       </a:lvl1pPr>
     </p:titleStyle>
     <p:bodyStyle>
-      <a:lvl1pPr marL="228600" indent="-228600" algn="l" defTabSz="914400" rtl="0" eaLnBrk="1" latinLnBrk="0" hangingPunct="1">
+      <a:lvl1pPr marL="960120" indent="-960120" algn="l" defTabSz="3840480" rtl="0" eaLnBrk="1" latinLnBrk="0" hangingPunct="1">
         <a:lnSpc>
           <a:spcPct val="90000"/>
         </a:lnSpc>
         <a:spcBef>
-          <a:spcPts val="1000"/>
+          <a:spcPts val="4200"/>
         </a:spcBef>
         <a:buFont typeface="Arial" panose="020B0604020202020204" pitchFamily="34" charset="0"/>
         <a:buChar char="•"/>
-        <a:defRPr sz="2800" kern="1200">
+        <a:defRPr sz="11760" kern="1200">
           <a:solidFill>
             <a:schemeClr val="tx1"/>
           </a:solidFill>
@@ -2703,16 +2712,16 @@
           <a:cs typeface="+mn-cs"/>
         </a:defRPr>
       </a:lvl1pPr>
-      <a:lvl2pPr marL="685800" indent="-228600" algn="l" defTabSz="914400" rtl="0" eaLnBrk="1" latinLnBrk="0" hangingPunct="1">
+      <a:lvl2pPr marL="2880360" indent="-960120" algn="l" defTabSz="3840480" rtl="0" eaLnBrk="1" latinLnBrk="0" hangingPunct="1">
         <a:lnSpc>
           <a:spcPct val="90000"/>
         </a:lnSpc>
         <a:spcBef>
-          <a:spcPts val="500"/>
+          <a:spcPts val="2100"/>
         </a:spcBef>
         <a:buFont typeface="Arial" panose="020B0604020202020204" pitchFamily="34" charset="0"/>
         <a:buChar char="•"/>
-        <a:defRPr sz="2400" kern="1200">
+        <a:defRPr sz="10080" kern="1200">
           <a:solidFill>
             <a:schemeClr val="tx1"/>
           </a:solidFill>
@@ -2721,16 +2730,16 @@
           <a:cs typeface="+mn-cs"/>
         </a:defRPr>
       </a:lvl2pPr>
-      <a:lvl3pPr marL="1143000" indent="-228600" algn="l" defTabSz="914400" rtl="0" eaLnBrk="1" latinLnBrk="0" hangingPunct="1">
+      <a:lvl3pPr marL="4800600" indent="-960120" algn="l" defTabSz="3840480" rtl="0" eaLnBrk="1" latinLnBrk="0" hangingPunct="1">
         <a:lnSpc>
           <a:spcPct val="90000"/>
         </a:lnSpc>
         <a:spcBef>
-          <a:spcPts val="500"/>
+          <a:spcPts val="2100"/>
         </a:spcBef>
         <a:buFont typeface="Arial" panose="020B0604020202020204" pitchFamily="34" charset="0"/>
         <a:buChar char="•"/>
-        <a:defRPr sz="2000" kern="1200">
+        <a:defRPr sz="8400" kern="1200">
           <a:solidFill>
             <a:schemeClr val="tx1"/>
           </a:solidFill>
@@ -2739,16 +2748,16 @@
           <a:cs typeface="+mn-cs"/>
         </a:defRPr>
       </a:lvl3pPr>
-      <a:lvl4pPr marL="1600200" indent="-228600" algn="l" defTabSz="914400" rtl="0" eaLnBrk="1" latinLnBrk="0" hangingPunct="1">
+      <a:lvl4pPr marL="6720840" indent="-960120" algn="l" defTabSz="3840480" rtl="0" eaLnBrk="1" latinLnBrk="0" hangingPunct="1">
         <a:lnSpc>
           <a:spcPct val="90000"/>
         </a:lnSpc>
         <a:spcBef>
-          <a:spcPts val="500"/>
+          <a:spcPts val="2100"/>
         </a:spcBef>
         <a:buFont typeface="Arial" panose="020B0604020202020204" pitchFamily="34" charset="0"/>
         <a:buChar char="•"/>
-        <a:defRPr sz="1800" kern="1200">
+        <a:defRPr sz="7560" kern="1200">
           <a:solidFill>
             <a:schemeClr val="tx1"/>
           </a:solidFill>
@@ -2757,16 +2766,16 @@
           <a:cs typeface="+mn-cs"/>
         </a:defRPr>
       </a:lvl4pPr>
-      <a:lvl5pPr marL="2057400" indent="-228600" algn="l" defTabSz="914400" rtl="0" eaLnBrk="1" latinLnBrk="0" hangingPunct="1">
+      <a:lvl5pPr marL="8641080" indent="-960120" algn="l" defTabSz="3840480" rtl="0" eaLnBrk="1" latinLnBrk="0" hangingPunct="1">
         <a:lnSpc>
           <a:spcPct val="90000"/>
         </a:lnSpc>
         <a:spcBef>
-          <a:spcPts val="500"/>
+          <a:spcPts val="2100"/>
         </a:spcBef>
         <a:buFont typeface="Arial" panose="020B0604020202020204" pitchFamily="34" charset="0"/>
         <a:buChar char="•"/>
-        <a:defRPr sz="1800" kern="1200">
+        <a:defRPr sz="7560" kern="1200">
           <a:solidFill>
             <a:schemeClr val="tx1"/>
           </a:solidFill>
@@ -2775,16 +2784,16 @@
           <a:cs typeface="+mn-cs"/>
         </a:defRPr>
       </a:lvl5pPr>
-      <a:lvl6pPr marL="2514600" indent="-228600" algn="l" defTabSz="914400" rtl="0" eaLnBrk="1" latinLnBrk="0" hangingPunct="1">
+      <a:lvl6pPr marL="10561320" indent="-960120" algn="l" defTabSz="3840480" rtl="0" eaLnBrk="1" latinLnBrk="0" hangingPunct="1">
         <a:lnSpc>
           <a:spcPct val="90000"/>
         </a:lnSpc>
         <a:spcBef>
-          <a:spcPts val="500"/>
+          <a:spcPts val="2100"/>
         </a:spcBef>
         <a:buFont typeface="Arial" panose="020B0604020202020204" pitchFamily="34" charset="0"/>
         <a:buChar char="•"/>
-        <a:defRPr sz="1800" kern="1200">
+        <a:defRPr sz="7560" kern="1200">
           <a:solidFill>
             <a:schemeClr val="tx1"/>
           </a:solidFill>
@@ -2793,16 +2802,16 @@
           <a:cs typeface="+mn-cs"/>
         </a:defRPr>
       </a:lvl6pPr>
-      <a:lvl7pPr marL="2971800" indent="-228600" algn="l" defTabSz="914400" rtl="0" eaLnBrk="1" latinLnBrk="0" hangingPunct="1">
+      <a:lvl7pPr marL="12481560" indent="-960120" algn="l" defTabSz="3840480" rtl="0" eaLnBrk="1" latinLnBrk="0" hangingPunct="1">
         <a:lnSpc>
           <a:spcPct val="90000"/>
         </a:lnSpc>
         <a:spcBef>
-          <a:spcPts val="500"/>
+          <a:spcPts val="2100"/>
         </a:spcBef>
         <a:buFont typeface="Arial" panose="020B0604020202020204" pitchFamily="34" charset="0"/>
         <a:buChar char="•"/>
-        <a:defRPr sz="1800" kern="1200">
+        <a:defRPr sz="7560" kern="1200">
           <a:solidFill>
             <a:schemeClr val="tx1"/>
           </a:solidFill>
@@ -2811,16 +2820,16 @@
           <a:cs typeface="+mn-cs"/>
         </a:defRPr>
       </a:lvl7pPr>
-      <a:lvl8pPr marL="3429000" indent="-228600" algn="l" defTabSz="914400" rtl="0" eaLnBrk="1" latinLnBrk="0" hangingPunct="1">
+      <a:lvl8pPr marL="14401800" indent="-960120" algn="l" defTabSz="3840480" rtl="0" eaLnBrk="1" latinLnBrk="0" hangingPunct="1">
         <a:lnSpc>
           <a:spcPct val="90000"/>
         </a:lnSpc>
         <a:spcBef>
-          <a:spcPts val="500"/>
+          <a:spcPts val="2100"/>
         </a:spcBef>
         <a:buFont typeface="Arial" panose="020B0604020202020204" pitchFamily="34" charset="0"/>
         <a:buChar char="•"/>
-        <a:defRPr sz="1800" kern="1200">
+        <a:defRPr sz="7560" kern="1200">
           <a:solidFill>
             <a:schemeClr val="tx1"/>
           </a:solidFill>
@@ -2829,16 +2838,16 @@
           <a:cs typeface="+mn-cs"/>
         </a:defRPr>
       </a:lvl8pPr>
-      <a:lvl9pPr marL="3886200" indent="-228600" algn="l" defTabSz="914400" rtl="0" eaLnBrk="1" latinLnBrk="0" hangingPunct="1">
+      <a:lvl9pPr marL="16322040" indent="-960120" algn="l" defTabSz="3840480" rtl="0" eaLnBrk="1" latinLnBrk="0" hangingPunct="1">
         <a:lnSpc>
           <a:spcPct val="90000"/>
         </a:lnSpc>
         <a:spcBef>
-          <a:spcPts val="500"/>
+          <a:spcPts val="2100"/>
         </a:spcBef>
         <a:buFont typeface="Arial" panose="020B0604020202020204" pitchFamily="34" charset="0"/>
         <a:buChar char="•"/>
-        <a:defRPr sz="1800" kern="1200">
+        <a:defRPr sz="7560" kern="1200">
           <a:solidFill>
             <a:schemeClr val="tx1"/>
           </a:solidFill>
@@ -2852,8 +2861,8 @@
       <a:defPPr>
         <a:defRPr lang="en-US"/>
       </a:defPPr>
-      <a:lvl1pPr marL="0" algn="l" defTabSz="914400" rtl="0" eaLnBrk="1" latinLnBrk="0" hangingPunct="1">
-        <a:defRPr sz="1800" kern="1200">
+      <a:lvl1pPr marL="0" algn="l" defTabSz="3840480" rtl="0" eaLnBrk="1" latinLnBrk="0" hangingPunct="1">
+        <a:defRPr sz="7560" kern="1200">
           <a:solidFill>
             <a:schemeClr val="tx1"/>
           </a:solidFill>
@@ -2862,8 +2871,8 @@
           <a:cs typeface="+mn-cs"/>
         </a:defRPr>
       </a:lvl1pPr>
-      <a:lvl2pPr marL="457200" algn="l" defTabSz="914400" rtl="0" eaLnBrk="1" latinLnBrk="0" hangingPunct="1">
-        <a:defRPr sz="1800" kern="1200">
+      <a:lvl2pPr marL="1920240" algn="l" defTabSz="3840480" rtl="0" eaLnBrk="1" latinLnBrk="0" hangingPunct="1">
+        <a:defRPr sz="7560" kern="1200">
           <a:solidFill>
             <a:schemeClr val="tx1"/>
           </a:solidFill>
@@ -2872,8 +2881,8 @@
           <a:cs typeface="+mn-cs"/>
         </a:defRPr>
       </a:lvl2pPr>
-      <a:lvl3pPr marL="914400" algn="l" defTabSz="914400" rtl="0" eaLnBrk="1" latinLnBrk="0" hangingPunct="1">
-        <a:defRPr sz="1800" kern="1200">
+      <a:lvl3pPr marL="3840480" algn="l" defTabSz="3840480" rtl="0" eaLnBrk="1" latinLnBrk="0" hangingPunct="1">
+        <a:defRPr sz="7560" kern="1200">
           <a:solidFill>
             <a:schemeClr val="tx1"/>
           </a:solidFill>
@@ -2882,8 +2891,8 @@
           <a:cs typeface="+mn-cs"/>
         </a:defRPr>
       </a:lvl3pPr>
-      <a:lvl4pPr marL="1371600" algn="l" defTabSz="914400" rtl="0" eaLnBrk="1" latinLnBrk="0" hangingPunct="1">
-        <a:defRPr sz="1800" kern="1200">
+      <a:lvl4pPr marL="5760720" algn="l" defTabSz="3840480" rtl="0" eaLnBrk="1" latinLnBrk="0" hangingPunct="1">
+        <a:defRPr sz="7560" kern="1200">
           <a:solidFill>
             <a:schemeClr val="tx1"/>
           </a:solidFill>
@@ -2892,8 +2901,8 @@
           <a:cs typeface="+mn-cs"/>
         </a:defRPr>
       </a:lvl4pPr>
-      <a:lvl5pPr marL="1828800" algn="l" defTabSz="914400" rtl="0" eaLnBrk="1" latinLnBrk="0" hangingPunct="1">
-        <a:defRPr sz="1800" kern="1200">
+      <a:lvl5pPr marL="7680960" algn="l" defTabSz="3840480" rtl="0" eaLnBrk="1" latinLnBrk="0" hangingPunct="1">
+        <a:defRPr sz="7560" kern="1200">
           <a:solidFill>
             <a:schemeClr val="tx1"/>
           </a:solidFill>
@@ -2902,8 +2911,8 @@
           <a:cs typeface="+mn-cs"/>
         </a:defRPr>
       </a:lvl5pPr>
-      <a:lvl6pPr marL="2286000" algn="l" defTabSz="914400" rtl="0" eaLnBrk="1" latinLnBrk="0" hangingPunct="1">
-        <a:defRPr sz="1800" kern="1200">
+      <a:lvl6pPr marL="9601200" algn="l" defTabSz="3840480" rtl="0" eaLnBrk="1" latinLnBrk="0" hangingPunct="1">
+        <a:defRPr sz="7560" kern="1200">
           <a:solidFill>
             <a:schemeClr val="tx1"/>
           </a:solidFill>
@@ -2912,8 +2921,8 @@
           <a:cs typeface="+mn-cs"/>
         </a:defRPr>
       </a:lvl6pPr>
-      <a:lvl7pPr marL="2743200" algn="l" defTabSz="914400" rtl="0" eaLnBrk="1" latinLnBrk="0" hangingPunct="1">
-        <a:defRPr sz="1800" kern="1200">
+      <a:lvl7pPr marL="11521440" algn="l" defTabSz="3840480" rtl="0" eaLnBrk="1" latinLnBrk="0" hangingPunct="1">
+        <a:defRPr sz="7560" kern="1200">
           <a:solidFill>
             <a:schemeClr val="tx1"/>
           </a:solidFill>
@@ -2922,8 +2931,8 @@
           <a:cs typeface="+mn-cs"/>
         </a:defRPr>
       </a:lvl7pPr>
-      <a:lvl8pPr marL="3200400" algn="l" defTabSz="914400" rtl="0" eaLnBrk="1" latinLnBrk="0" hangingPunct="1">
-        <a:defRPr sz="1800" kern="1200">
+      <a:lvl8pPr marL="13441680" algn="l" defTabSz="3840480" rtl="0" eaLnBrk="1" latinLnBrk="0" hangingPunct="1">
+        <a:defRPr sz="7560" kern="1200">
           <a:solidFill>
             <a:schemeClr val="tx1"/>
           </a:solidFill>
@@ -2932,8 +2941,8 @@
           <a:cs typeface="+mn-cs"/>
         </a:defRPr>
       </a:lvl8pPr>
-      <a:lvl9pPr marL="3657600" algn="l" defTabSz="914400" rtl="0" eaLnBrk="1" latinLnBrk="0" hangingPunct="1">
-        <a:defRPr sz="1800" kern="1200">
+      <a:lvl9pPr marL="15361920" algn="l" defTabSz="3840480" rtl="0" eaLnBrk="1" latinLnBrk="0" hangingPunct="1">
+        <a:defRPr sz="7560" kern="1200">
           <a:solidFill>
             <a:schemeClr val="tx1"/>
           </a:solidFill>
@@ -2972,8 +2981,8 @@
         </p:nvSpPr>
         <p:spPr>
           <a:xfrm>
-            <a:off x="813732" y="327171"/>
-            <a:ext cx="9362114" cy="369332"/>
+            <a:off x="248315" y="1570421"/>
+            <a:ext cx="44938147" cy="1422056"/>
           </a:xfrm>
           <a:prstGeom prst="rect">
             <a:avLst/>
@@ -2992,27 +3001,27 @@
           <a:lstStyle/>
           <a:p>
             <a:r>
-              <a:rPr lang="en-US" dirty="0" err="1"/>
+              <a:rPr lang="en-US" sz="8641" dirty="0" err="1"/>
               <a:t>Titulo</a:t>
             </a:r>
             <a:r>
-              <a:rPr lang="en-US" dirty="0"/>
+              <a:rPr lang="en-US" sz="8641" dirty="0"/>
               <a:t> – </a:t>
             </a:r>
             <a:r>
-              <a:rPr lang="en-US" dirty="0" err="1"/>
+              <a:rPr lang="en-US" sz="8641" dirty="0" err="1"/>
               <a:t>falta</a:t>
             </a:r>
             <a:r>
-              <a:rPr lang="en-US" dirty="0"/>
+              <a:rPr lang="en-US" sz="8641" dirty="0"/>
               <a:t> </a:t>
             </a:r>
             <a:r>
-              <a:rPr lang="en-US" dirty="0" err="1"/>
+              <a:rPr lang="en-US" sz="8641" dirty="0" err="1"/>
               <a:t>grafica</a:t>
             </a:r>
             <a:r>
-              <a:rPr lang="en-US" dirty="0"/>
+              <a:rPr lang="en-US" sz="8641" dirty="0"/>
               <a:t> Q</a:t>
             </a:r>
           </a:p>
@@ -3026,8 +3035,8 @@
         </p:nvSpPr>
         <p:spPr>
           <a:xfrm>
-            <a:off x="713064" y="1208015"/>
-            <a:ext cx="3003259" cy="2585323"/>
+            <a:off x="577279" y="5798472"/>
+            <a:ext cx="15857207" cy="12059840"/>
           </a:xfrm>
           <a:prstGeom prst="rect">
             <a:avLst/>
@@ -3046,33 +3055,33 @@
           <a:lstStyle/>
           <a:p>
             <a:r>
-              <a:rPr lang="en-US" dirty="0"/>
+              <a:rPr lang="en-US" sz="8641" dirty="0"/>
               <a:t>Abstract</a:t>
             </a:r>
           </a:p>
           <a:p>
-            <a:endParaRPr lang="en-US" dirty="0"/>
-          </a:p>
-          <a:p>
-            <a:endParaRPr lang="en-US" dirty="0"/>
-          </a:p>
-          <a:p>
-            <a:endParaRPr lang="en-US" dirty="0"/>
-          </a:p>
-          <a:p>
-            <a:endParaRPr lang="en-US" dirty="0"/>
-          </a:p>
-          <a:p>
-            <a:endParaRPr lang="en-US" dirty="0"/>
-          </a:p>
-          <a:p>
-            <a:endParaRPr lang="en-US" dirty="0"/>
-          </a:p>
-          <a:p>
-            <a:endParaRPr lang="en-US" dirty="0"/>
-          </a:p>
-          <a:p>
-            <a:endParaRPr lang="en-US" dirty="0"/>
+            <a:endParaRPr lang="en-US" sz="8641" dirty="0"/>
+          </a:p>
+          <a:p>
+            <a:endParaRPr lang="en-US" sz="8641" dirty="0"/>
+          </a:p>
+          <a:p>
+            <a:endParaRPr lang="en-US" sz="8641" dirty="0"/>
+          </a:p>
+          <a:p>
+            <a:endParaRPr lang="en-US" sz="8641" dirty="0"/>
+          </a:p>
+          <a:p>
+            <a:endParaRPr lang="en-US" sz="8641" dirty="0"/>
+          </a:p>
+          <a:p>
+            <a:endParaRPr lang="en-US" sz="8641" dirty="0"/>
+          </a:p>
+          <a:p>
+            <a:endParaRPr lang="en-US" sz="8641" dirty="0"/>
+          </a:p>
+          <a:p>
+            <a:endParaRPr lang="en-US" sz="8641" dirty="0"/>
           </a:p>
         </p:txBody>
       </p:sp>
@@ -3084,8 +3093,8 @@
         </p:nvSpPr>
         <p:spPr>
           <a:xfrm>
-            <a:off x="738231" y="4135772"/>
-            <a:ext cx="3020037" cy="2308324"/>
+            <a:off x="694053" y="19851707"/>
+            <a:ext cx="15945796" cy="10730117"/>
           </a:xfrm>
           <a:prstGeom prst="rect">
             <a:avLst/>
@@ -3104,39 +3113,39 @@
           <a:lstStyle/>
           <a:p>
             <a:r>
-              <a:rPr lang="en-US" dirty="0" err="1"/>
+              <a:rPr lang="en-US" sz="8641" dirty="0" err="1"/>
               <a:t>Modelo</a:t>
             </a:r>
             <a:r>
-              <a:rPr lang="en-US" dirty="0"/>
+              <a:rPr lang="en-US" sz="8641" dirty="0"/>
               <a:t>/</a:t>
             </a:r>
             <a:r>
-              <a:rPr lang="en-US" dirty="0" err="1"/>
+              <a:rPr lang="en-US" sz="8641" dirty="0" err="1"/>
               <a:t>tarea</a:t>
             </a:r>
-            <a:endParaRPr lang="en-US" dirty="0"/>
-          </a:p>
-          <a:p>
-            <a:endParaRPr lang="en-US" dirty="0"/>
-          </a:p>
-          <a:p>
-            <a:endParaRPr lang="en-US" dirty="0"/>
-          </a:p>
-          <a:p>
-            <a:endParaRPr lang="en-US" dirty="0"/>
-          </a:p>
-          <a:p>
-            <a:endParaRPr lang="en-US" dirty="0"/>
-          </a:p>
-          <a:p>
-            <a:endParaRPr lang="en-US" dirty="0"/>
-          </a:p>
-          <a:p>
-            <a:endParaRPr lang="en-US" dirty="0"/>
-          </a:p>
-          <a:p>
-            <a:endParaRPr lang="en-US" dirty="0"/>
+            <a:endParaRPr lang="en-US" sz="8641" dirty="0"/>
+          </a:p>
+          <a:p>
+            <a:endParaRPr lang="en-US" sz="8641" dirty="0"/>
+          </a:p>
+          <a:p>
+            <a:endParaRPr lang="en-US" sz="8641" dirty="0"/>
+          </a:p>
+          <a:p>
+            <a:endParaRPr lang="en-US" sz="8641" dirty="0"/>
+          </a:p>
+          <a:p>
+            <a:endParaRPr lang="en-US" sz="8641" dirty="0"/>
+          </a:p>
+          <a:p>
+            <a:endParaRPr lang="en-US" sz="8641" dirty="0"/>
+          </a:p>
+          <a:p>
+            <a:endParaRPr lang="en-US" sz="8641" dirty="0"/>
+          </a:p>
+          <a:p>
+            <a:endParaRPr lang="en-US" sz="8641" dirty="0"/>
           </a:p>
         </p:txBody>
       </p:sp>
@@ -3148,8 +3157,8 @@
         </p:nvSpPr>
         <p:spPr>
           <a:xfrm>
-            <a:off x="4068661" y="1208015"/>
-            <a:ext cx="2994869" cy="1754326"/>
+            <a:off x="15871976" y="5798475"/>
+            <a:ext cx="14375371" cy="8070671"/>
           </a:xfrm>
           <a:prstGeom prst="rect">
             <a:avLst/>
@@ -3168,30 +3177,30 @@
           <a:lstStyle/>
           <a:p>
             <a:r>
-              <a:rPr lang="en-US" dirty="0" err="1"/>
+              <a:rPr lang="en-US" sz="8641" dirty="0" err="1"/>
               <a:t>Modelo</a:t>
             </a:r>
             <a:r>
-              <a:rPr lang="en-US" dirty="0"/>
+              <a:rPr lang="en-US" sz="8641" dirty="0"/>
               <a:t> – Place cell to action + </a:t>
             </a:r>
             <a:r>
-              <a:rPr lang="en-US" dirty="0" err="1"/>
+              <a:rPr lang="en-US" sz="8641" dirty="0" err="1"/>
               <a:t>sarsa</a:t>
             </a:r>
-            <a:endParaRPr lang="en-US" dirty="0"/>
-          </a:p>
-          <a:p>
-            <a:endParaRPr lang="en-US" dirty="0"/>
-          </a:p>
-          <a:p>
-            <a:endParaRPr lang="en-US" dirty="0"/>
-          </a:p>
-          <a:p>
-            <a:endParaRPr lang="en-US" dirty="0"/>
-          </a:p>
-          <a:p>
-            <a:endParaRPr lang="en-US" dirty="0"/>
+            <a:endParaRPr lang="en-US" sz="8641" dirty="0"/>
+          </a:p>
+          <a:p>
+            <a:endParaRPr lang="en-US" sz="8641" dirty="0"/>
+          </a:p>
+          <a:p>
+            <a:endParaRPr lang="en-US" sz="8641" dirty="0"/>
+          </a:p>
+          <a:p>
+            <a:endParaRPr lang="en-US" sz="8641" dirty="0"/>
+          </a:p>
+          <a:p>
+            <a:endParaRPr lang="en-US" sz="8641" dirty="0"/>
           </a:p>
         </p:txBody>
       </p:sp>
@@ -3203,8 +3212,8 @@
         </p:nvSpPr>
         <p:spPr>
           <a:xfrm>
-            <a:off x="4077050" y="3263317"/>
-            <a:ext cx="3020036" cy="1477328"/>
+            <a:off x="15912241" y="15663922"/>
+            <a:ext cx="14496173" cy="6740948"/>
           </a:xfrm>
           <a:prstGeom prst="rect">
             <a:avLst/>
@@ -3223,26 +3232,26 @@
           <a:lstStyle/>
           <a:p>
             <a:r>
-              <a:rPr lang="en-US" dirty="0"/>
+              <a:rPr lang="en-US" sz="8641" dirty="0"/>
               <a:t>Matrix plot – </a:t>
             </a:r>
             <a:r>
-              <a:rPr lang="en-US" dirty="0" err="1"/>
+              <a:rPr lang="en-US" sz="8641" dirty="0" err="1"/>
               <a:t>flechitas</a:t>
             </a:r>
-            <a:endParaRPr lang="en-US" dirty="0"/>
-          </a:p>
-          <a:p>
-            <a:endParaRPr lang="en-US" dirty="0"/>
-          </a:p>
-          <a:p>
-            <a:endParaRPr lang="en-US" dirty="0"/>
-          </a:p>
-          <a:p>
-            <a:endParaRPr lang="en-US" dirty="0"/>
-          </a:p>
-          <a:p>
-            <a:endParaRPr lang="en-US" dirty="0"/>
+            <a:endParaRPr lang="en-US" sz="8641" dirty="0"/>
+          </a:p>
+          <a:p>
+            <a:endParaRPr lang="en-US" sz="8641" dirty="0"/>
+          </a:p>
+          <a:p>
+            <a:endParaRPr lang="en-US" sz="8641" dirty="0"/>
+          </a:p>
+          <a:p>
+            <a:endParaRPr lang="en-US" sz="8641" dirty="0"/>
+          </a:p>
+          <a:p>
+            <a:endParaRPr lang="en-US" sz="8641" dirty="0"/>
           </a:p>
         </p:txBody>
       </p:sp>
@@ -3254,8 +3263,8 @@
         </p:nvSpPr>
         <p:spPr>
           <a:xfrm>
-            <a:off x="7541703" y="1208015"/>
-            <a:ext cx="4471332" cy="1477328"/>
+            <a:off x="32246754" y="5798474"/>
+            <a:ext cx="21462394" cy="6740948"/>
           </a:xfrm>
           <a:prstGeom prst="rect">
             <a:avLst/>
@@ -3274,21 +3283,21 @@
           <a:lstStyle/>
           <a:p>
             <a:r>
-              <a:rPr lang="en-US" dirty="0"/>
+              <a:rPr lang="en-US" sz="8641" dirty="0"/>
               <a:t>Con vs sin replay</a:t>
             </a:r>
           </a:p>
           <a:p>
-            <a:endParaRPr lang="en-US" dirty="0"/>
-          </a:p>
-          <a:p>
-            <a:endParaRPr lang="en-US" dirty="0"/>
-          </a:p>
-          <a:p>
-            <a:endParaRPr lang="en-US" dirty="0"/>
-          </a:p>
-          <a:p>
-            <a:endParaRPr lang="en-US" dirty="0"/>
+            <a:endParaRPr lang="en-US" sz="8641" dirty="0"/>
+          </a:p>
+          <a:p>
+            <a:endParaRPr lang="en-US" sz="8641" dirty="0"/>
+          </a:p>
+          <a:p>
+            <a:endParaRPr lang="en-US" sz="8641" dirty="0"/>
+          </a:p>
+          <a:p>
+            <a:endParaRPr lang="en-US" sz="8641" dirty="0"/>
           </a:p>
         </p:txBody>
       </p:sp>
@@ -3300,8 +3309,8 @@
         </p:nvSpPr>
         <p:spPr>
           <a:xfrm>
-            <a:off x="9882232" y="2962341"/>
-            <a:ext cx="2038524" cy="1477328"/>
+            <a:off x="43481294" y="14219237"/>
+            <a:ext cx="9784915" cy="6740948"/>
           </a:xfrm>
           <a:prstGeom prst="rect">
             <a:avLst/>
@@ -3320,26 +3329,26 @@
           <a:lstStyle/>
           <a:p>
             <a:r>
-              <a:rPr lang="en-US" dirty="0"/>
+              <a:rPr lang="en-US" sz="8641" dirty="0"/>
               <a:t>Replay - </a:t>
             </a:r>
             <a:r>
-              <a:rPr lang="en-US" dirty="0" err="1"/>
+              <a:rPr lang="en-US" sz="8641" dirty="0" err="1"/>
               <a:t>camino</a:t>
             </a:r>
-            <a:endParaRPr lang="en-US" dirty="0"/>
-          </a:p>
-          <a:p>
-            <a:endParaRPr lang="en-US" dirty="0"/>
-          </a:p>
-          <a:p>
-            <a:endParaRPr lang="en-US" dirty="0"/>
-          </a:p>
-          <a:p>
-            <a:endParaRPr lang="en-US" dirty="0"/>
-          </a:p>
-          <a:p>
-            <a:endParaRPr lang="en-US" dirty="0"/>
+            <a:endParaRPr lang="en-US" sz="8641" dirty="0"/>
+          </a:p>
+          <a:p>
+            <a:endParaRPr lang="en-US" sz="8641" dirty="0"/>
+          </a:p>
+          <a:p>
+            <a:endParaRPr lang="en-US" sz="8641" dirty="0"/>
+          </a:p>
+          <a:p>
+            <a:endParaRPr lang="en-US" sz="8641" dirty="0"/>
+          </a:p>
+          <a:p>
+            <a:endParaRPr lang="en-US" sz="8641" dirty="0"/>
           </a:p>
         </p:txBody>
       </p:sp>
@@ -3351,8 +3360,8 @@
         </p:nvSpPr>
         <p:spPr>
           <a:xfrm>
-            <a:off x="7541703" y="4689446"/>
-            <a:ext cx="4379053" cy="1754326"/>
+            <a:off x="32246757" y="22509342"/>
+            <a:ext cx="21019454" cy="8070671"/>
           </a:xfrm>
           <a:prstGeom prst="rect">
             <a:avLst/>
@@ -3371,41 +3380,41 @@
           <a:lstStyle/>
           <a:p>
             <a:r>
-              <a:rPr lang="en-US" dirty="0" err="1"/>
+              <a:rPr lang="en-US" sz="8641" dirty="0" err="1"/>
               <a:t>Tiempos</a:t>
             </a:r>
             <a:r>
-              <a:rPr lang="en-US" dirty="0"/>
+              <a:rPr lang="en-US" sz="8641" dirty="0"/>
               <a:t>/length </a:t>
             </a:r>
             <a:r>
-              <a:rPr lang="en-US" dirty="0" err="1"/>
+              <a:rPr lang="en-US" sz="8641" dirty="0" err="1"/>
               <a:t>por</a:t>
             </a:r>
             <a:r>
-              <a:rPr lang="en-US" dirty="0"/>
+              <a:rPr lang="en-US" sz="8641" dirty="0"/>
               <a:t> </a:t>
             </a:r>
             <a:r>
-              <a:rPr lang="en-US" dirty="0" err="1"/>
+              <a:rPr lang="en-US" sz="8641" dirty="0" err="1"/>
               <a:t>grupo</a:t>
             </a:r>
-            <a:endParaRPr lang="en-US" dirty="0"/>
-          </a:p>
-          <a:p>
-            <a:endParaRPr lang="en-US" dirty="0"/>
-          </a:p>
-          <a:p>
-            <a:endParaRPr lang="en-US" dirty="0"/>
-          </a:p>
-          <a:p>
-            <a:endParaRPr lang="en-US" dirty="0"/>
-          </a:p>
-          <a:p>
-            <a:endParaRPr lang="en-US" dirty="0"/>
-          </a:p>
-          <a:p>
-            <a:endParaRPr lang="en-US" dirty="0"/>
+            <a:endParaRPr lang="en-US" sz="8641" dirty="0"/>
+          </a:p>
+          <a:p>
+            <a:endParaRPr lang="en-US" sz="8641" dirty="0"/>
+          </a:p>
+          <a:p>
+            <a:endParaRPr lang="en-US" sz="8641" dirty="0"/>
+          </a:p>
+          <a:p>
+            <a:endParaRPr lang="en-US" sz="8641" dirty="0"/>
+          </a:p>
+          <a:p>
+            <a:endParaRPr lang="en-US" sz="8641" dirty="0"/>
+          </a:p>
+          <a:p>
+            <a:endParaRPr lang="en-US" sz="8641" dirty="0"/>
           </a:p>
         </p:txBody>
       </p:sp>
@@ -3417,8 +3426,8 @@
         </p:nvSpPr>
         <p:spPr>
           <a:xfrm>
-            <a:off x="7541703" y="2962341"/>
-            <a:ext cx="2189526" cy="1477328"/>
+            <a:off x="32246754" y="14219237"/>
+            <a:ext cx="10509725" cy="6740948"/>
           </a:xfrm>
           <a:prstGeom prst="rect">
             <a:avLst/>
@@ -3437,30 +3446,30 @@
           <a:lstStyle/>
           <a:p>
             <a:r>
-              <a:rPr lang="en-US" dirty="0" err="1"/>
+              <a:rPr lang="en-US" sz="8641" dirty="0" err="1"/>
               <a:t>Porcentajes</a:t>
             </a:r>
             <a:r>
-              <a:rPr lang="en-US" dirty="0"/>
+              <a:rPr lang="en-US" sz="8641" dirty="0"/>
               <a:t> de </a:t>
             </a:r>
             <a:r>
-              <a:rPr lang="en-US" dirty="0" err="1"/>
+              <a:rPr lang="en-US" sz="8641" dirty="0" err="1"/>
               <a:t>cel</a:t>
             </a:r>
             <a:r>
-              <a:rPr lang="en-US" dirty="0"/>
+              <a:rPr lang="en-US" sz="8641" dirty="0"/>
               <a:t> replay</a:t>
             </a:r>
           </a:p>
           <a:p>
-            <a:endParaRPr lang="en-US" dirty="0"/>
-          </a:p>
-          <a:p>
-            <a:endParaRPr lang="en-US" dirty="0"/>
-          </a:p>
-          <a:p>
-            <a:endParaRPr lang="en-US" dirty="0"/>
+            <a:endParaRPr lang="en-US" sz="8641" dirty="0"/>
+          </a:p>
+          <a:p>
+            <a:endParaRPr lang="en-US" sz="8641" dirty="0"/>
+          </a:p>
+          <a:p>
+            <a:endParaRPr lang="en-US" sz="8641" dirty="0"/>
           </a:p>
         </p:txBody>
       </p:sp>
@@ -3472,8 +3481,8 @@
         </p:nvSpPr>
         <p:spPr>
           <a:xfrm>
-            <a:off x="4068661" y="4983061"/>
-            <a:ext cx="2994869" cy="1477328"/>
+            <a:off x="15871976" y="23918695"/>
+            <a:ext cx="14375371" cy="6740948"/>
           </a:xfrm>
           <a:prstGeom prst="rect">
             <a:avLst/>
@@ -3492,21 +3501,21 @@
           <a:lstStyle/>
           <a:p>
             <a:r>
-              <a:rPr lang="en-US" dirty="0"/>
+              <a:rPr lang="en-US" sz="8641" dirty="0"/>
               <a:t>Caminos</a:t>
             </a:r>
           </a:p>
           <a:p>
-            <a:endParaRPr lang="en-US" dirty="0"/>
-          </a:p>
-          <a:p>
-            <a:endParaRPr lang="en-US" dirty="0"/>
-          </a:p>
-          <a:p>
-            <a:endParaRPr lang="en-US" dirty="0"/>
-          </a:p>
-          <a:p>
-            <a:endParaRPr lang="en-US" dirty="0"/>
+            <a:endParaRPr lang="en-US" sz="8641" dirty="0"/>
+          </a:p>
+          <a:p>
+            <a:endParaRPr lang="en-US" sz="8641" dirty="0"/>
+          </a:p>
+          <a:p>
+            <a:endParaRPr lang="en-US" sz="8641" dirty="0"/>
+          </a:p>
+          <a:p>
+            <a:endParaRPr lang="en-US" sz="8641" dirty="0"/>
           </a:p>
         </p:txBody>
       </p:sp>
@@ -3526,7 +3535,7 @@
 <file path=ppt/theme/theme1.xml><?xml version="1.0" encoding="utf-8"?>
 <a:theme xmlns:a="http://schemas.openxmlformats.org/drawingml/2006/main" name="Office Theme">
   <a:themeElements>
-    <a:clrScheme name="Office">
+    <a:clrScheme name="Office Theme">
       <a:dk1>
         <a:sysClr val="windowText" lastClr="000000"/>
       </a:dk1>
@@ -3564,7 +3573,7 @@
         <a:srgbClr val="954F72"/>
       </a:folHlink>
     </a:clrScheme>
-    <a:fontScheme name="Office">
+    <a:fontScheme name="Office Theme">
       <a:majorFont>
         <a:latin typeface="Calibri Light" panose="020F0302020204030204"/>
         <a:ea typeface=""/>
@@ -3599,23 +3608,6 @@
         <a:font script="Viet" typeface="Times New Roman"/>
         <a:font script="Uigh" typeface="Microsoft Uighur"/>
         <a:font script="Geor" typeface="Sylfaen"/>
-        <a:font script="Armn" typeface="Arial"/>
-        <a:font script="Bugi" typeface="Leelawadee UI"/>
-        <a:font script="Bopo" typeface="Microsoft JhengHei"/>
-        <a:font script="Java" typeface="Javanese Text"/>
-        <a:font script="Lisu" typeface="Segoe UI"/>
-        <a:font script="Mymr" typeface="Myanmar Text"/>
-        <a:font script="Nkoo" typeface="Ebrima"/>
-        <a:font script="Olck" typeface="Nirmala UI"/>
-        <a:font script="Osma" typeface="Ebrima"/>
-        <a:font script="Phag" typeface="Phagspa"/>
-        <a:font script="Syrn" typeface="Estrangelo Edessa"/>
-        <a:font script="Syrj" typeface="Estrangelo Edessa"/>
-        <a:font script="Syre" typeface="Estrangelo Edessa"/>
-        <a:font script="Sora" typeface="Nirmala UI"/>
-        <a:font script="Tale" typeface="Microsoft Tai Le"/>
-        <a:font script="Talu" typeface="Microsoft New Tai Lue"/>
-        <a:font script="Tfng" typeface="Ebrima"/>
       </a:majorFont>
       <a:minorFont>
         <a:latin typeface="Calibri" panose="020F0502020204030204"/>
@@ -3651,26 +3643,9 @@
         <a:font script="Viet" typeface="Arial"/>
         <a:font script="Uigh" typeface="Microsoft Uighur"/>
         <a:font script="Geor" typeface="Sylfaen"/>
-        <a:font script="Armn" typeface="Arial"/>
-        <a:font script="Bugi" typeface="Leelawadee UI"/>
-        <a:font script="Bopo" typeface="Microsoft JhengHei"/>
-        <a:font script="Java" typeface="Javanese Text"/>
-        <a:font script="Lisu" typeface="Segoe UI"/>
-        <a:font script="Mymr" typeface="Myanmar Text"/>
-        <a:font script="Nkoo" typeface="Ebrima"/>
-        <a:font script="Olck" typeface="Nirmala UI"/>
-        <a:font script="Osma" typeface="Ebrima"/>
-        <a:font script="Phag" typeface="Phagspa"/>
-        <a:font script="Syrn" typeface="Estrangelo Edessa"/>
-        <a:font script="Syrj" typeface="Estrangelo Edessa"/>
-        <a:font script="Syre" typeface="Estrangelo Edessa"/>
-        <a:font script="Sora" typeface="Nirmala UI"/>
-        <a:font script="Tale" typeface="Microsoft Tai Le"/>
-        <a:font script="Talu" typeface="Microsoft New Tai Lue"/>
-        <a:font script="Tfng" typeface="Ebrima"/>
       </a:minorFont>
     </a:fontScheme>
-    <a:fmtScheme name="Office">
+    <a:fmtScheme name="Office Theme">
       <a:fillStyleLst>
         <a:solidFill>
           <a:schemeClr val="phClr"/>
